--- a/docs/diagrams/ModelComponentClassDiagram.pptx
+++ b/docs/diagrams/ModelComponentClassDiagram.pptx
@@ -208,7 +208,7 @@
           <a:p>
             <a:fld id="{F5CC4B3F-88C1-4FFA-B1B6-F41C21DC6924}" type="datetimeFigureOut">
               <a:rPr lang="en-US" smtClean="0"/>
-              <a:t>1/1/18</a:t>
+              <a:t>3/21/2018</a:t>
             </a:fld>
             <a:endParaRPr lang="en-US"/>
           </a:p>
@@ -657,7 +657,7 @@
           <a:p>
             <a:fld id="{78C97017-6FC3-485B-9764-EAC9E56C1D49}" type="datetimeFigureOut">
               <a:rPr lang="en-US" smtClean="0"/>
-              <a:t>1/1/18</a:t>
+              <a:t>3/21/2018</a:t>
             </a:fld>
             <a:endParaRPr lang="en-US"/>
           </a:p>
@@ -827,7 +827,7 @@
           <a:p>
             <a:fld id="{78C97017-6FC3-485B-9764-EAC9E56C1D49}" type="datetimeFigureOut">
               <a:rPr lang="en-US" smtClean="0"/>
-              <a:t>1/1/18</a:t>
+              <a:t>3/21/2018</a:t>
             </a:fld>
             <a:endParaRPr lang="en-US"/>
           </a:p>
@@ -1007,7 +1007,7 @@
           <a:p>
             <a:fld id="{78C97017-6FC3-485B-9764-EAC9E56C1D49}" type="datetimeFigureOut">
               <a:rPr lang="en-US" smtClean="0"/>
-              <a:t>1/1/18</a:t>
+              <a:t>3/21/2018</a:t>
             </a:fld>
             <a:endParaRPr lang="en-US"/>
           </a:p>
@@ -1177,7 +1177,7 @@
           <a:p>
             <a:fld id="{78C97017-6FC3-485B-9764-EAC9E56C1D49}" type="datetimeFigureOut">
               <a:rPr lang="en-US" smtClean="0"/>
-              <a:t>1/1/18</a:t>
+              <a:t>3/21/2018</a:t>
             </a:fld>
             <a:endParaRPr lang="en-US"/>
           </a:p>
@@ -1423,7 +1423,7 @@
           <a:p>
             <a:fld id="{78C97017-6FC3-485B-9764-EAC9E56C1D49}" type="datetimeFigureOut">
               <a:rPr lang="en-US" smtClean="0"/>
-              <a:t>1/1/18</a:t>
+              <a:t>3/21/2018</a:t>
             </a:fld>
             <a:endParaRPr lang="en-US"/>
           </a:p>
@@ -1711,7 +1711,7 @@
           <a:p>
             <a:fld id="{78C97017-6FC3-485B-9764-EAC9E56C1D49}" type="datetimeFigureOut">
               <a:rPr lang="en-US" smtClean="0"/>
-              <a:t>1/1/18</a:t>
+              <a:t>3/21/2018</a:t>
             </a:fld>
             <a:endParaRPr lang="en-US"/>
           </a:p>
@@ -2133,7 +2133,7 @@
           <a:p>
             <a:fld id="{78C97017-6FC3-485B-9764-EAC9E56C1D49}" type="datetimeFigureOut">
               <a:rPr lang="en-US" smtClean="0"/>
-              <a:t>1/1/18</a:t>
+              <a:t>3/21/2018</a:t>
             </a:fld>
             <a:endParaRPr lang="en-US"/>
           </a:p>
@@ -2251,7 +2251,7 @@
           <a:p>
             <a:fld id="{78C97017-6FC3-485B-9764-EAC9E56C1D49}" type="datetimeFigureOut">
               <a:rPr lang="en-US" smtClean="0"/>
-              <a:t>1/1/18</a:t>
+              <a:t>3/21/2018</a:t>
             </a:fld>
             <a:endParaRPr lang="en-US"/>
           </a:p>
@@ -2346,7 +2346,7 @@
           <a:p>
             <a:fld id="{78C97017-6FC3-485B-9764-EAC9E56C1D49}" type="datetimeFigureOut">
               <a:rPr lang="en-US" smtClean="0"/>
-              <a:t>1/1/18</a:t>
+              <a:t>3/21/2018</a:t>
             </a:fld>
             <a:endParaRPr lang="en-US"/>
           </a:p>
@@ -2623,7 +2623,7 @@
           <a:p>
             <a:fld id="{78C97017-6FC3-485B-9764-EAC9E56C1D49}" type="datetimeFigureOut">
               <a:rPr lang="en-US" smtClean="0"/>
-              <a:t>1/1/18</a:t>
+              <a:t>3/21/2018</a:t>
             </a:fld>
             <a:endParaRPr lang="en-US"/>
           </a:p>
@@ -2876,7 +2876,7 @@
           <a:p>
             <a:fld id="{78C97017-6FC3-485B-9764-EAC9E56C1D49}" type="datetimeFigureOut">
               <a:rPr lang="en-US" smtClean="0"/>
-              <a:t>1/1/18</a:t>
+              <a:t>3/21/2018</a:t>
             </a:fld>
             <a:endParaRPr lang="en-US"/>
           </a:p>
@@ -3089,7 +3089,7 @@
           <a:p>
             <a:fld id="{78C97017-6FC3-485B-9764-EAC9E56C1D49}" type="datetimeFigureOut">
               <a:rPr lang="en-US" smtClean="0"/>
-              <a:t>1/1/18</a:t>
+              <a:t>3/21/2018</a:t>
             </a:fld>
             <a:endParaRPr lang="en-US"/>
           </a:p>
@@ -4652,7 +4652,7 @@
         <p:spPr>
           <a:xfrm>
             <a:off x="7712397" y="2564238"/>
-            <a:ext cx="708186" cy="285783"/>
+            <a:ext cx="822002" cy="285783"/>
           </a:xfrm>
           <a:prstGeom prst="rect">
             <a:avLst/>
@@ -4796,7 +4796,7 @@
         <p:spPr>
           <a:xfrm>
             <a:off x="7712397" y="2887216"/>
-            <a:ext cx="708186" cy="285783"/>
+            <a:ext cx="822002" cy="285783"/>
           </a:xfrm>
           <a:prstGeom prst="rect">
             <a:avLst/>
@@ -4893,7 +4893,7 @@
         <p:spPr>
           <a:xfrm>
             <a:off x="7712397" y="3210194"/>
-            <a:ext cx="708186" cy="285783"/>
+            <a:ext cx="822002" cy="285783"/>
           </a:xfrm>
           <a:prstGeom prst="rect">
             <a:avLst/>
@@ -4990,7 +4990,7 @@
         <p:spPr>
           <a:xfrm>
             <a:off x="7712397" y="3533171"/>
-            <a:ext cx="708186" cy="285783"/>
+            <a:ext cx="822002" cy="285783"/>
           </a:xfrm>
           <a:prstGeom prst="rect">
             <a:avLst/>
@@ -5753,6 +5753,520 @@
           </a:p>
         </p:txBody>
       </p:sp>
+      <p:sp>
+        <p:nvSpPr>
+          <p:cNvPr id="73" name="Rectangle 8"/>
+          <p:cNvSpPr/>
+          <p:nvPr/>
+        </p:nvSpPr>
+        <p:spPr>
+          <a:xfrm>
+            <a:off x="4507235" y="4137581"/>
+            <a:ext cx="1156969" cy="346760"/>
+          </a:xfrm>
+          <a:prstGeom prst="rect">
+            <a:avLst/>
+          </a:prstGeom>
+          <a:ln w="19050">
+            <a:solidFill>
+              <a:srgbClr val="7030A0"/>
+            </a:solidFill>
+          </a:ln>
+          <a:effectLst/>
+        </p:spPr>
+        <p:style>
+          <a:lnRef idx="1">
+            <a:schemeClr val="accent4"/>
+          </a:lnRef>
+          <a:fillRef idx="2">
+            <a:schemeClr val="accent4"/>
+          </a:fillRef>
+          <a:effectRef idx="1">
+            <a:schemeClr val="accent4"/>
+          </a:effectRef>
+          <a:fontRef idx="minor">
+            <a:schemeClr val="dk1"/>
+          </a:fontRef>
+        </p:style>
+        <p:txBody>
+          <a:bodyPr rtlCol="0" anchor="ctr"/>
+          <a:lstStyle/>
+          <a:p>
+            <a:pPr algn="ctr"/>
+            <a:r>
+              <a:rPr lang="en-US" sz="1050" dirty="0" err="1" smtClean="0">
+                <a:solidFill>
+                  <a:srgbClr val="7030A0"/>
+                </a:solidFill>
+              </a:rPr>
+              <a:t>CellMap</a:t>
+            </a:r>
+            <a:endParaRPr lang="en-SG" sz="1050" dirty="0">
+              <a:solidFill>
+                <a:srgbClr val="7030A0"/>
+              </a:solidFill>
+            </a:endParaRPr>
+          </a:p>
+        </p:txBody>
+      </p:sp>
+      <p:cxnSp>
+        <p:nvCxnSpPr>
+          <p:cNvPr id="74" name="Elbow Connector 73"/>
+          <p:cNvCxnSpPr>
+            <a:stCxn id="51" idx="3"/>
+            <a:endCxn id="73" idx="1"/>
+          </p:cNvCxnSpPr>
+          <p:nvPr/>
+        </p:nvCxnSpPr>
+        <p:spPr>
+          <a:xfrm>
+            <a:off x="4220351" y="2760681"/>
+            <a:ext cx="286884" cy="1550280"/>
+          </a:xfrm>
+          <a:prstGeom prst="bentConnector3">
+            <a:avLst/>
+          </a:prstGeom>
+          <a:ln w="19050">
+            <a:solidFill>
+              <a:srgbClr val="7030A0"/>
+            </a:solidFill>
+            <a:headEnd type="none" w="med" len="med"/>
+            <a:tailEnd type="arrow" w="med" len="med"/>
+          </a:ln>
+          <a:effectLst/>
+        </p:spPr>
+        <p:style>
+          <a:lnRef idx="1">
+            <a:schemeClr val="accent2"/>
+          </a:lnRef>
+          <a:fillRef idx="2">
+            <a:schemeClr val="accent2"/>
+          </a:fillRef>
+          <a:effectRef idx="1">
+            <a:schemeClr val="accent2"/>
+          </a:effectRef>
+          <a:fontRef idx="minor">
+            <a:schemeClr val="dk1"/>
+          </a:fontRef>
+        </p:style>
+      </p:cxnSp>
+      <p:sp>
+        <p:nvSpPr>
+          <p:cNvPr id="77" name="Rectangle 8"/>
+          <p:cNvSpPr/>
+          <p:nvPr/>
+        </p:nvSpPr>
+        <p:spPr>
+          <a:xfrm>
+            <a:off x="6335278" y="4155149"/>
+            <a:ext cx="708186" cy="346760"/>
+          </a:xfrm>
+          <a:prstGeom prst="rect">
+            <a:avLst/>
+          </a:prstGeom>
+          <a:ln w="19050">
+            <a:solidFill>
+              <a:srgbClr val="7030A0"/>
+            </a:solidFill>
+          </a:ln>
+          <a:effectLst/>
+        </p:spPr>
+        <p:style>
+          <a:lnRef idx="1">
+            <a:schemeClr val="accent4"/>
+          </a:lnRef>
+          <a:fillRef idx="2">
+            <a:schemeClr val="accent4"/>
+          </a:fillRef>
+          <a:effectRef idx="1">
+            <a:schemeClr val="accent4"/>
+          </a:effectRef>
+          <a:fontRef idx="minor">
+            <a:schemeClr val="dk1"/>
+          </a:fontRef>
+        </p:style>
+        <p:txBody>
+          <a:bodyPr rtlCol="0" anchor="ctr"/>
+          <a:lstStyle/>
+          <a:p>
+            <a:pPr algn="ctr"/>
+            <a:r>
+              <a:rPr lang="en-US" sz="1050" dirty="0" smtClean="0">
+                <a:solidFill>
+                  <a:srgbClr val="7030A0"/>
+                </a:solidFill>
+              </a:rPr>
+              <a:t>Cell</a:t>
+            </a:r>
+            <a:endParaRPr lang="en-SG" sz="1050" dirty="0">
+              <a:solidFill>
+                <a:srgbClr val="7030A0"/>
+              </a:solidFill>
+            </a:endParaRPr>
+          </a:p>
+        </p:txBody>
+      </p:sp>
+      <p:sp>
+        <p:nvSpPr>
+          <p:cNvPr id="82" name="Flowchart: Decision 96"/>
+          <p:cNvSpPr/>
+          <p:nvPr/>
+        </p:nvSpPr>
+        <p:spPr>
+          <a:xfrm>
+            <a:off x="5664828" y="4241062"/>
+            <a:ext cx="236048" cy="173380"/>
+          </a:xfrm>
+          <a:prstGeom prst="flowChartDecision">
+            <a:avLst/>
+          </a:prstGeom>
+          <a:noFill/>
+          <a:ln w="19050">
+            <a:solidFill>
+              <a:srgbClr val="7030A0"/>
+            </a:solidFill>
+          </a:ln>
+          <a:effectLst/>
+        </p:spPr>
+        <p:style>
+          <a:lnRef idx="1">
+            <a:schemeClr val="accent6"/>
+          </a:lnRef>
+          <a:fillRef idx="2">
+            <a:schemeClr val="accent6"/>
+          </a:fillRef>
+          <a:effectRef idx="1">
+            <a:schemeClr val="accent6"/>
+          </a:effectRef>
+          <a:fontRef idx="minor">
+            <a:schemeClr val="dk1"/>
+          </a:fontRef>
+        </p:style>
+        <p:txBody>
+          <a:bodyPr rtlCol="0" anchor="ctr"/>
+          <a:lstStyle/>
+          <a:p>
+            <a:pPr algn="ctr"/>
+            <a:endParaRPr lang="en-US" sz="1050"/>
+          </a:p>
+        </p:txBody>
+      </p:sp>
+      <p:cxnSp>
+        <p:nvCxnSpPr>
+          <p:cNvPr id="87" name="Elbow Connector 86"/>
+          <p:cNvCxnSpPr>
+            <a:stCxn id="82" idx="3"/>
+            <a:endCxn id="77" idx="1"/>
+          </p:cNvCxnSpPr>
+          <p:nvPr/>
+        </p:nvCxnSpPr>
+        <p:spPr>
+          <a:xfrm>
+            <a:off x="5900876" y="4327752"/>
+            <a:ext cx="434402" cy="777"/>
+          </a:xfrm>
+          <a:prstGeom prst="bentConnector3">
+            <a:avLst/>
+          </a:prstGeom>
+          <a:ln w="19050">
+            <a:solidFill>
+              <a:srgbClr val="7030A0"/>
+            </a:solidFill>
+            <a:headEnd type="none" w="med" len="med"/>
+            <a:tailEnd type="arrow" w="med" len="med"/>
+          </a:ln>
+          <a:effectLst/>
+        </p:spPr>
+        <p:style>
+          <a:lnRef idx="1">
+            <a:schemeClr val="accent2"/>
+          </a:lnRef>
+          <a:fillRef idx="2">
+            <a:schemeClr val="accent2"/>
+          </a:fillRef>
+          <a:effectRef idx="1">
+            <a:schemeClr val="accent2"/>
+          </a:effectRef>
+          <a:fontRef idx="minor">
+            <a:schemeClr val="dk1"/>
+          </a:fontRef>
+        </p:style>
+      </p:cxnSp>
+      <p:sp>
+        <p:nvSpPr>
+          <p:cNvPr id="88" name="TextBox 87"/>
+          <p:cNvSpPr txBox="1"/>
+          <p:nvPr/>
+        </p:nvSpPr>
+        <p:spPr>
+          <a:xfrm>
+            <a:off x="6156857" y="4395000"/>
+            <a:ext cx="189257" cy="178683"/>
+          </a:xfrm>
+          <a:prstGeom prst="rect">
+            <a:avLst/>
+          </a:prstGeom>
+          <a:noFill/>
+        </p:spPr>
+        <p:txBody>
+          <a:bodyPr wrap="square" lIns="0" tIns="0" rIns="0" bIns="0" rtlCol="0">
+            <a:noAutofit/>
+          </a:bodyPr>
+          <a:lstStyle/>
+          <a:p>
+            <a:pPr algn="ctr"/>
+            <a:r>
+              <a:rPr lang="en-SG" sz="1100" dirty="0">
+                <a:solidFill>
+                  <a:srgbClr val="7030A0"/>
+                </a:solidFill>
+              </a:rPr>
+              <a:t>*</a:t>
+            </a:r>
+          </a:p>
+        </p:txBody>
+      </p:sp>
+      <p:sp>
+        <p:nvSpPr>
+          <p:cNvPr id="89" name="Flowchart: Decision 96"/>
+          <p:cNvSpPr/>
+          <p:nvPr/>
+        </p:nvSpPr>
+        <p:spPr>
+          <a:xfrm>
+            <a:off x="7041947" y="4245679"/>
+            <a:ext cx="236048" cy="173380"/>
+          </a:xfrm>
+          <a:prstGeom prst="flowChartDecision">
+            <a:avLst/>
+          </a:prstGeom>
+          <a:solidFill>
+            <a:srgbClr val="7030A0"/>
+          </a:solidFill>
+          <a:ln w="19050">
+            <a:solidFill>
+              <a:srgbClr val="7030A0"/>
+            </a:solidFill>
+          </a:ln>
+          <a:effectLst/>
+        </p:spPr>
+        <p:style>
+          <a:lnRef idx="1">
+            <a:schemeClr val="accent6"/>
+          </a:lnRef>
+          <a:fillRef idx="2">
+            <a:schemeClr val="accent6"/>
+          </a:fillRef>
+          <a:effectRef idx="1">
+            <a:schemeClr val="accent6"/>
+          </a:effectRef>
+          <a:fontRef idx="minor">
+            <a:schemeClr val="dk1"/>
+          </a:fontRef>
+        </p:style>
+        <p:txBody>
+          <a:bodyPr rtlCol="0" anchor="ctr"/>
+          <a:lstStyle/>
+          <a:p>
+            <a:pPr algn="ctr"/>
+            <a:endParaRPr lang="en-US" sz="1050"/>
+          </a:p>
+        </p:txBody>
+      </p:sp>
+      <p:sp>
+        <p:nvSpPr>
+          <p:cNvPr id="90" name="Rectangle 8"/>
+          <p:cNvSpPr/>
+          <p:nvPr/>
+        </p:nvSpPr>
+        <p:spPr>
+          <a:xfrm>
+            <a:off x="7712397" y="4012257"/>
+            <a:ext cx="822002" cy="285783"/>
+          </a:xfrm>
+          <a:prstGeom prst="rect">
+            <a:avLst/>
+          </a:prstGeom>
+          <a:ln w="19050">
+            <a:solidFill>
+              <a:srgbClr val="7030A0"/>
+            </a:solidFill>
+          </a:ln>
+          <a:effectLst/>
+        </p:spPr>
+        <p:style>
+          <a:lnRef idx="1">
+            <a:schemeClr val="accent4"/>
+          </a:lnRef>
+          <a:fillRef idx="2">
+            <a:schemeClr val="accent4"/>
+          </a:fillRef>
+          <a:effectRef idx="1">
+            <a:schemeClr val="accent4"/>
+          </a:effectRef>
+          <a:fontRef idx="minor">
+            <a:schemeClr val="dk1"/>
+          </a:fontRef>
+        </p:style>
+        <p:txBody>
+          <a:bodyPr rtlCol="0" anchor="ctr"/>
+          <a:lstStyle/>
+          <a:p>
+            <a:pPr algn="ctr"/>
+            <a:r>
+              <a:rPr lang="en-US" sz="1050" dirty="0" smtClean="0">
+                <a:solidFill>
+                  <a:srgbClr val="7030A0"/>
+                </a:solidFill>
+              </a:rPr>
+              <a:t>Prisoner</a:t>
+            </a:r>
+            <a:endParaRPr lang="en-SG" sz="1050" dirty="0">
+              <a:solidFill>
+                <a:srgbClr val="7030A0"/>
+              </a:solidFill>
+            </a:endParaRPr>
+          </a:p>
+        </p:txBody>
+      </p:sp>
+      <p:cxnSp>
+        <p:nvCxnSpPr>
+          <p:cNvPr id="91" name="Elbow Connector 90"/>
+          <p:cNvCxnSpPr>
+            <a:stCxn id="89" idx="3"/>
+            <a:endCxn id="90" idx="1"/>
+          </p:cNvCxnSpPr>
+          <p:nvPr/>
+        </p:nvCxnSpPr>
+        <p:spPr>
+          <a:xfrm flipV="1">
+            <a:off x="7277995" y="4155149"/>
+            <a:ext cx="434402" cy="177220"/>
+          </a:xfrm>
+          <a:prstGeom prst="bentConnector3">
+            <a:avLst/>
+          </a:prstGeom>
+          <a:ln w="19050">
+            <a:solidFill>
+              <a:srgbClr val="7030A0"/>
+            </a:solidFill>
+            <a:headEnd type="none" w="med" len="med"/>
+            <a:tailEnd type="arrow" w="med" len="med"/>
+          </a:ln>
+          <a:effectLst/>
+        </p:spPr>
+        <p:style>
+          <a:lnRef idx="1">
+            <a:schemeClr val="accent2"/>
+          </a:lnRef>
+          <a:fillRef idx="2">
+            <a:schemeClr val="accent2"/>
+          </a:fillRef>
+          <a:effectRef idx="1">
+            <a:schemeClr val="accent2"/>
+          </a:effectRef>
+          <a:fontRef idx="minor">
+            <a:schemeClr val="dk1"/>
+          </a:fontRef>
+        </p:style>
+      </p:cxnSp>
+      <p:sp>
+        <p:nvSpPr>
+          <p:cNvPr id="92" name="Rectangle 8"/>
+          <p:cNvSpPr/>
+          <p:nvPr/>
+        </p:nvSpPr>
+        <p:spPr>
+          <a:xfrm>
+            <a:off x="7712396" y="4335234"/>
+            <a:ext cx="822003" cy="285783"/>
+          </a:xfrm>
+          <a:prstGeom prst="rect">
+            <a:avLst/>
+          </a:prstGeom>
+          <a:ln w="19050">
+            <a:solidFill>
+              <a:srgbClr val="7030A0"/>
+            </a:solidFill>
+          </a:ln>
+          <a:effectLst/>
+        </p:spPr>
+        <p:style>
+          <a:lnRef idx="1">
+            <a:schemeClr val="accent4"/>
+          </a:lnRef>
+          <a:fillRef idx="2">
+            <a:schemeClr val="accent4"/>
+          </a:fillRef>
+          <a:effectRef idx="1">
+            <a:schemeClr val="accent4"/>
+          </a:effectRef>
+          <a:fontRef idx="minor">
+            <a:schemeClr val="dk1"/>
+          </a:fontRef>
+        </p:style>
+        <p:txBody>
+          <a:bodyPr rtlCol="0" anchor="ctr"/>
+          <a:lstStyle/>
+          <a:p>
+            <a:pPr algn="ctr"/>
+            <a:r>
+              <a:rPr lang="en-US" sz="1050" dirty="0" err="1" smtClean="0">
+                <a:solidFill>
+                  <a:srgbClr val="7030A0"/>
+                </a:solidFill>
+              </a:rPr>
+              <a:t>CellAddress</a:t>
+            </a:r>
+            <a:endParaRPr lang="en-SG" sz="1050" dirty="0">
+              <a:solidFill>
+                <a:srgbClr val="7030A0"/>
+              </a:solidFill>
+            </a:endParaRPr>
+          </a:p>
+        </p:txBody>
+      </p:sp>
+      <p:cxnSp>
+        <p:nvCxnSpPr>
+          <p:cNvPr id="93" name="Elbow Connector 92"/>
+          <p:cNvCxnSpPr>
+            <a:stCxn id="89" idx="3"/>
+            <a:endCxn id="92" idx="1"/>
+          </p:cNvCxnSpPr>
+          <p:nvPr/>
+        </p:nvCxnSpPr>
+        <p:spPr>
+          <a:xfrm>
+            <a:off x="7277995" y="4332369"/>
+            <a:ext cx="434401" cy="145757"/>
+          </a:xfrm>
+          <a:prstGeom prst="bentConnector3">
+            <a:avLst/>
+          </a:prstGeom>
+          <a:ln w="19050">
+            <a:solidFill>
+              <a:srgbClr val="7030A0"/>
+            </a:solidFill>
+            <a:headEnd type="none" w="med" len="med"/>
+            <a:tailEnd type="arrow" w="med" len="med"/>
+          </a:ln>
+          <a:effectLst/>
+        </p:spPr>
+        <p:style>
+          <a:lnRef idx="1">
+            <a:schemeClr val="accent2"/>
+          </a:lnRef>
+          <a:fillRef idx="2">
+            <a:schemeClr val="accent2"/>
+          </a:fillRef>
+          <a:effectRef idx="1">
+            <a:schemeClr val="accent2"/>
+          </a:effectRef>
+          <a:fontRef idx="minor">
+            <a:schemeClr val="dk1"/>
+          </a:fontRef>
+        </p:style>
+      </p:cxnSp>
     </p:spTree>
     <p:extLst>
       <p:ext uri="{BB962C8B-B14F-4D97-AF65-F5344CB8AC3E}">

--- a/docs/diagrams/ModelComponentClassDiagram.pptx
+++ b/docs/diagrams/ModelComponentClassDiagram.pptx
@@ -208,7 +208,7 @@
           <a:p>
             <a:fld id="{F5CC4B3F-88C1-4FFA-B1B6-F41C21DC6924}" type="datetimeFigureOut">
               <a:rPr lang="en-US" smtClean="0"/>
-              <a:t>3/21/2018</a:t>
+              <a:t>3/22/2018</a:t>
             </a:fld>
             <a:endParaRPr lang="en-US"/>
           </a:p>
@@ -657,7 +657,7 @@
           <a:p>
             <a:fld id="{78C97017-6FC3-485B-9764-EAC9E56C1D49}" type="datetimeFigureOut">
               <a:rPr lang="en-US" smtClean="0"/>
-              <a:t>3/21/2018</a:t>
+              <a:t>3/22/2018</a:t>
             </a:fld>
             <a:endParaRPr lang="en-US"/>
           </a:p>
@@ -827,7 +827,7 @@
           <a:p>
             <a:fld id="{78C97017-6FC3-485B-9764-EAC9E56C1D49}" type="datetimeFigureOut">
               <a:rPr lang="en-US" smtClean="0"/>
-              <a:t>3/21/2018</a:t>
+              <a:t>3/22/2018</a:t>
             </a:fld>
             <a:endParaRPr lang="en-US"/>
           </a:p>
@@ -1007,7 +1007,7 @@
           <a:p>
             <a:fld id="{78C97017-6FC3-485B-9764-EAC9E56C1D49}" type="datetimeFigureOut">
               <a:rPr lang="en-US" smtClean="0"/>
-              <a:t>3/21/2018</a:t>
+              <a:t>3/22/2018</a:t>
             </a:fld>
             <a:endParaRPr lang="en-US"/>
           </a:p>
@@ -1177,7 +1177,7 @@
           <a:p>
             <a:fld id="{78C97017-6FC3-485B-9764-EAC9E56C1D49}" type="datetimeFigureOut">
               <a:rPr lang="en-US" smtClean="0"/>
-              <a:t>3/21/2018</a:t>
+              <a:t>3/22/2018</a:t>
             </a:fld>
             <a:endParaRPr lang="en-US"/>
           </a:p>
@@ -1423,7 +1423,7 @@
           <a:p>
             <a:fld id="{78C97017-6FC3-485B-9764-EAC9E56C1D49}" type="datetimeFigureOut">
               <a:rPr lang="en-US" smtClean="0"/>
-              <a:t>3/21/2018</a:t>
+              <a:t>3/22/2018</a:t>
             </a:fld>
             <a:endParaRPr lang="en-US"/>
           </a:p>
@@ -1711,7 +1711,7 @@
           <a:p>
             <a:fld id="{78C97017-6FC3-485B-9764-EAC9E56C1D49}" type="datetimeFigureOut">
               <a:rPr lang="en-US" smtClean="0"/>
-              <a:t>3/21/2018</a:t>
+              <a:t>3/22/2018</a:t>
             </a:fld>
             <a:endParaRPr lang="en-US"/>
           </a:p>
@@ -2133,7 +2133,7 @@
           <a:p>
             <a:fld id="{78C97017-6FC3-485B-9764-EAC9E56C1D49}" type="datetimeFigureOut">
               <a:rPr lang="en-US" smtClean="0"/>
-              <a:t>3/21/2018</a:t>
+              <a:t>3/22/2018</a:t>
             </a:fld>
             <a:endParaRPr lang="en-US"/>
           </a:p>
@@ -2251,7 +2251,7 @@
           <a:p>
             <a:fld id="{78C97017-6FC3-485B-9764-EAC9E56C1D49}" type="datetimeFigureOut">
               <a:rPr lang="en-US" smtClean="0"/>
-              <a:t>3/21/2018</a:t>
+              <a:t>3/22/2018</a:t>
             </a:fld>
             <a:endParaRPr lang="en-US"/>
           </a:p>
@@ -2346,7 +2346,7 @@
           <a:p>
             <a:fld id="{78C97017-6FC3-485B-9764-EAC9E56C1D49}" type="datetimeFigureOut">
               <a:rPr lang="en-US" smtClean="0"/>
-              <a:t>3/21/2018</a:t>
+              <a:t>3/22/2018</a:t>
             </a:fld>
             <a:endParaRPr lang="en-US"/>
           </a:p>
@@ -2623,7 +2623,7 @@
           <a:p>
             <a:fld id="{78C97017-6FC3-485B-9764-EAC9E56C1D49}" type="datetimeFigureOut">
               <a:rPr lang="en-US" smtClean="0"/>
-              <a:t>3/21/2018</a:t>
+              <a:t>3/22/2018</a:t>
             </a:fld>
             <a:endParaRPr lang="en-US"/>
           </a:p>
@@ -2876,7 +2876,7 @@
           <a:p>
             <a:fld id="{78C97017-6FC3-485B-9764-EAC9E56C1D49}" type="datetimeFigureOut">
               <a:rPr lang="en-US" smtClean="0"/>
-              <a:t>3/21/2018</a:t>
+              <a:t>3/22/2018</a:t>
             </a:fld>
             <a:endParaRPr lang="en-US"/>
           </a:p>
@@ -3089,7 +3089,7 @@
           <a:p>
             <a:fld id="{78C97017-6FC3-485B-9764-EAC9E56C1D49}" type="datetimeFigureOut">
               <a:rPr lang="en-US" smtClean="0"/>
-              <a:t>3/21/2018</a:t>
+              <a:t>3/22/2018</a:t>
             </a:fld>
             <a:endParaRPr lang="en-US"/>
           </a:p>
@@ -3533,7 +3533,7 @@
         </p:nvSpPr>
         <p:spPr>
           <a:xfrm>
-            <a:off x="2877180" y="3158440"/>
+            <a:off x="2886466" y="2895600"/>
             <a:ext cx="1093635" cy="346760"/>
           </a:xfrm>
           <a:prstGeom prst="rect">
@@ -3814,9 +3814,9 @@
           <p:nvPr/>
         </p:nvCxnSpPr>
         <p:spPr>
-          <a:xfrm>
-            <a:off x="2656370" y="3326536"/>
-            <a:ext cx="220810" cy="5284"/>
+          <a:xfrm flipV="1">
+            <a:off x="2656370" y="3068980"/>
+            <a:ext cx="230096" cy="4951"/>
           </a:xfrm>
           <a:prstGeom prst="straightConnector1">
             <a:avLst/>
@@ -3937,7 +3937,7 @@
         </p:nvSpPr>
         <p:spPr>
           <a:xfrm>
-            <a:off x="2420322" y="3239846"/>
+            <a:off x="2420322" y="2987241"/>
             <a:ext cx="236048" cy="173380"/>
           </a:xfrm>
           <a:prstGeom prst="flowChartDecision">
@@ -3982,7 +3982,7 @@
         </p:nvSpPr>
         <p:spPr>
           <a:xfrm>
-            <a:off x="2879490" y="2627420"/>
+            <a:off x="2879490" y="2501582"/>
             <a:ext cx="1093635" cy="346760"/>
           </a:xfrm>
           <a:prstGeom prst="rect">
@@ -4041,7 +4041,7 @@
         </p:nvCxnSpPr>
         <p:spPr>
           <a:xfrm>
-            <a:off x="2658680" y="2795516"/>
+            <a:off x="2658680" y="2669678"/>
             <a:ext cx="220810" cy="5284"/>
           </a:xfrm>
           <a:prstGeom prst="straightConnector1">
@@ -4079,7 +4079,7 @@
         </p:nvSpPr>
         <p:spPr>
           <a:xfrm>
-            <a:off x="2422632" y="2708826"/>
+            <a:off x="2422632" y="2582988"/>
             <a:ext cx="236048" cy="173380"/>
           </a:xfrm>
           <a:prstGeom prst="flowChartDecision">
@@ -4180,7 +4180,7 @@
         </p:nvSpPr>
         <p:spPr>
           <a:xfrm>
-            <a:off x="3984303" y="2673991"/>
+            <a:off x="3984303" y="2569820"/>
             <a:ext cx="236048" cy="173380"/>
           </a:xfrm>
           <a:prstGeom prst="flowChartDecision">
@@ -4230,8 +4230,8 @@
         </p:nvCxnSpPr>
         <p:spPr>
           <a:xfrm>
-            <a:off x="4220351" y="2760681"/>
-            <a:ext cx="266666" cy="260070"/>
+            <a:off x="4220351" y="2656510"/>
+            <a:ext cx="266666" cy="364241"/>
           </a:xfrm>
           <a:prstGeom prst="bentConnector3">
             <a:avLst/>
@@ -4328,7 +4328,7 @@
         <p:spPr>
           <a:xfrm flipV="1">
             <a:off x="4220351" y="2453949"/>
-            <a:ext cx="256977" cy="306732"/>
+            <a:ext cx="256977" cy="202561"/>
           </a:xfrm>
           <a:prstGeom prst="bentConnector3">
             <a:avLst>
@@ -5644,7 +5644,7 @@
         </p:nvSpPr>
         <p:spPr>
           <a:xfrm>
-            <a:off x="2687923" y="2564238"/>
+            <a:off x="2687923" y="2438400"/>
             <a:ext cx="189257" cy="178683"/>
           </a:xfrm>
           <a:prstGeom prst="rect">
@@ -5683,7 +5683,7 @@
         </p:nvSpPr>
         <p:spPr>
           <a:xfrm>
-            <a:off x="2656370" y="3386050"/>
+            <a:off x="2656370" y="3133445"/>
             <a:ext cx="189257" cy="178683"/>
           </a:xfrm>
           <a:prstGeom prst="rect">
@@ -5820,8 +5820,8 @@
         </p:nvCxnSpPr>
         <p:spPr>
           <a:xfrm>
-            <a:off x="4220351" y="2760681"/>
-            <a:ext cx="286884" cy="1550280"/>
+            <a:off x="4220351" y="2656510"/>
+            <a:ext cx="286884" cy="1654451"/>
           </a:xfrm>
           <a:prstGeom prst="bentConnector3">
             <a:avLst/>
@@ -6267,6 +6267,189 @@
           </a:fontRef>
         </p:style>
       </p:cxnSp>
+      <p:sp>
+        <p:nvSpPr>
+          <p:cNvPr id="71" name="Flowchart: Decision 96"/>
+          <p:cNvSpPr/>
+          <p:nvPr/>
+        </p:nvSpPr>
+        <p:spPr>
+          <a:xfrm>
+            <a:off x="2420322" y="3389391"/>
+            <a:ext cx="236048" cy="173380"/>
+          </a:xfrm>
+          <a:prstGeom prst="flowChartDecision">
+            <a:avLst/>
+          </a:prstGeom>
+          <a:solidFill>
+            <a:srgbClr val="7030A0"/>
+          </a:solidFill>
+          <a:ln w="19050">
+            <a:solidFill>
+              <a:srgbClr val="7030A0"/>
+            </a:solidFill>
+          </a:ln>
+          <a:effectLst/>
+        </p:spPr>
+        <p:style>
+          <a:lnRef idx="1">
+            <a:schemeClr val="accent6"/>
+          </a:lnRef>
+          <a:fillRef idx="2">
+            <a:schemeClr val="accent6"/>
+          </a:fillRef>
+          <a:effectRef idx="1">
+            <a:schemeClr val="accent6"/>
+          </a:effectRef>
+          <a:fontRef idx="minor">
+            <a:schemeClr val="dk1"/>
+          </a:fontRef>
+        </p:style>
+        <p:txBody>
+          <a:bodyPr rtlCol="0" anchor="ctr"/>
+          <a:lstStyle/>
+          <a:p>
+            <a:pPr algn="ctr"/>
+            <a:endParaRPr lang="en-US" sz="1050"/>
+          </a:p>
+        </p:txBody>
+      </p:sp>
+      <p:sp>
+        <p:nvSpPr>
+          <p:cNvPr id="94" name="Rectangle 8"/>
+          <p:cNvSpPr/>
+          <p:nvPr/>
+        </p:nvSpPr>
+        <p:spPr>
+          <a:xfrm>
+            <a:off x="2895431" y="3276600"/>
+            <a:ext cx="1093635" cy="346760"/>
+          </a:xfrm>
+          <a:prstGeom prst="rect">
+            <a:avLst/>
+          </a:prstGeom>
+          <a:solidFill>
+            <a:srgbClr val="7030A0"/>
+          </a:solidFill>
+          <a:ln w="19050">
+            <a:solidFill>
+              <a:srgbClr val="7030A0"/>
+            </a:solidFill>
+          </a:ln>
+          <a:effectLst/>
+        </p:spPr>
+        <p:style>
+          <a:lnRef idx="1">
+            <a:schemeClr val="accent2"/>
+          </a:lnRef>
+          <a:fillRef idx="2">
+            <a:schemeClr val="accent2"/>
+          </a:fillRef>
+          <a:effectRef idx="1">
+            <a:schemeClr val="accent2"/>
+          </a:effectRef>
+          <a:fontRef idx="minor">
+            <a:schemeClr val="dk1"/>
+          </a:fontRef>
+        </p:style>
+        <p:txBody>
+          <a:bodyPr rtlCol="0" anchor="ctr"/>
+          <a:lstStyle/>
+          <a:p>
+            <a:pPr algn="ctr"/>
+            <a:r>
+              <a:rPr lang="en-US" sz="1050" dirty="0" smtClean="0">
+                <a:solidFill>
+                  <a:schemeClr val="bg1"/>
+                </a:solidFill>
+              </a:rPr>
+              <a:t>Session</a:t>
+            </a:r>
+            <a:endParaRPr lang="en-SG" sz="1050" dirty="0">
+              <a:solidFill>
+                <a:schemeClr val="bg1"/>
+              </a:solidFill>
+            </a:endParaRPr>
+          </a:p>
+        </p:txBody>
+      </p:sp>
+      <p:cxnSp>
+        <p:nvCxnSpPr>
+          <p:cNvPr id="95" name="Straight Arrow Connector 94"/>
+          <p:cNvCxnSpPr/>
+          <p:nvPr/>
+        </p:nvCxnSpPr>
+        <p:spPr>
+          <a:xfrm flipV="1">
+            <a:off x="2656370" y="3469530"/>
+            <a:ext cx="230096" cy="4951"/>
+          </a:xfrm>
+          <a:prstGeom prst="straightConnector1">
+            <a:avLst/>
+          </a:prstGeom>
+          <a:ln w="19050">
+            <a:solidFill>
+              <a:srgbClr val="7030A0"/>
+            </a:solidFill>
+            <a:headEnd type="none" w="med" len="med"/>
+            <a:tailEnd type="arrow" w="med" len="med"/>
+          </a:ln>
+          <a:effectLst/>
+        </p:spPr>
+        <p:style>
+          <a:lnRef idx="1">
+            <a:schemeClr val="accent2"/>
+          </a:lnRef>
+          <a:fillRef idx="2">
+            <a:schemeClr val="accent2"/>
+          </a:fillRef>
+          <a:effectRef idx="1">
+            <a:schemeClr val="accent2"/>
+          </a:effectRef>
+          <a:fontRef idx="minor">
+            <a:schemeClr val="dk1"/>
+          </a:fontRef>
+        </p:style>
+      </p:cxnSp>
+      <p:sp>
+        <p:nvSpPr>
+          <p:cNvPr id="96" name="TextBox 95"/>
+          <p:cNvSpPr txBox="1"/>
+          <p:nvPr/>
+        </p:nvSpPr>
+        <p:spPr>
+          <a:xfrm>
+            <a:off x="2665335" y="3514445"/>
+            <a:ext cx="189257" cy="178683"/>
+          </a:xfrm>
+          <a:prstGeom prst="rect">
+            <a:avLst/>
+          </a:prstGeom>
+          <a:noFill/>
+        </p:spPr>
+        <p:txBody>
+          <a:bodyPr wrap="square" lIns="0" tIns="0" rIns="0" bIns="0" rtlCol="0">
+            <a:noAutofit/>
+          </a:bodyPr>
+          <a:lstStyle/>
+          <a:p>
+            <a:pPr algn="ctr"/>
+            <a:r>
+              <a:rPr lang="en-US" sz="1100" dirty="0" smtClean="0">
+                <a:solidFill>
+                  <a:srgbClr val="7030A0"/>
+                </a:solidFill>
+              </a:rPr>
+              <a:t>1</a:t>
+            </a:r>
+            <a:endParaRPr lang="en-SG" sz="1100" dirty="0">
+              <a:solidFill>
+                <a:srgbClr val="7030A0"/>
+              </a:solidFill>
+            </a:endParaRPr>
+          </a:p>
+        </p:txBody>
+      </p:sp>
     </p:spTree>
     <p:extLst>
       <p:ext uri="{BB962C8B-B14F-4D97-AF65-F5344CB8AC3E}">

--- a/docs/diagrams/ModelComponentClassDiagram.pptx
+++ b/docs/diagrams/ModelComponentClassDiagram.pptx
@@ -126,6 +126,283 @@
 </p:presentation>
 </file>
 
+<file path=ppt/changesInfos/changesInfo1.xml><?xml version="1.0" encoding="utf-8"?>
+<pc:chgInfo xmlns:a="http://schemas.openxmlformats.org/drawingml/2006/main" xmlns:r="http://schemas.openxmlformats.org/officeDocument/2006/relationships" xmlns:ac="http://schemas.microsoft.com/office/drawing/2013/main/command" xmlns:pc="http://schemas.microsoft.com/office/powerpoint/2013/main/command">
+  <pc:docChgLst>
+    <pc:chgData userId="5ef20b631d4f0458" providerId="LiveId" clId="{0BB0E767-D758-4F15-864C-8638EDB3E9FB}"/>
+    <pc:docChg chg="undo custSel modSld">
+      <pc:chgData name="" userId="5ef20b631d4f0458" providerId="LiveId" clId="{0BB0E767-D758-4F15-864C-8638EDB3E9FB}" dt="2018-04-15T13:03:19.254" v="125" actId="1037"/>
+      <pc:docMkLst>
+        <pc:docMk/>
+      </pc:docMkLst>
+      <pc:sldChg chg="addSp delSp modSp">
+        <pc:chgData name="" userId="5ef20b631d4f0458" providerId="LiveId" clId="{0BB0E767-D758-4F15-864C-8638EDB3E9FB}" dt="2018-04-15T13:03:19.254" v="125" actId="1037"/>
+        <pc:sldMkLst>
+          <pc:docMk/>
+          <pc:sldMk cId="2396968029" sldId="263"/>
+        </pc:sldMkLst>
+        <pc:spChg chg="mod">
+          <ac:chgData name="" userId="5ef20b631d4f0458" providerId="LiveId" clId="{0BB0E767-D758-4F15-864C-8638EDB3E9FB}" dt="2018-04-15T13:01:28.801" v="89" actId="1036"/>
+          <ac:spMkLst>
+            <pc:docMk/>
+            <pc:sldMk cId="2396968029" sldId="263"/>
+            <ac:spMk id="2" creationId="{00000000-0000-0000-0000-000000000000}"/>
+          </ac:spMkLst>
+        </pc:spChg>
+        <pc:spChg chg="mod">
+          <ac:chgData name="" userId="5ef20b631d4f0458" providerId="LiveId" clId="{0BB0E767-D758-4F15-864C-8638EDB3E9FB}" dt="2018-04-15T13:02:21.643" v="112" actId="14100"/>
+          <ac:spMkLst>
+            <pc:docMk/>
+            <pc:sldMk cId="2396968029" sldId="263"/>
+            <ac:spMk id="9" creationId="{00000000-0000-0000-0000-000000000000}"/>
+          </ac:spMkLst>
+        </pc:spChg>
+        <pc:spChg chg="mod">
+          <ac:chgData name="" userId="5ef20b631d4f0458" providerId="LiveId" clId="{0BB0E767-D758-4F15-864C-8638EDB3E9FB}" dt="2018-04-15T13:01:28.801" v="89" actId="1036"/>
+          <ac:spMkLst>
+            <pc:docMk/>
+            <pc:sldMk cId="2396968029" sldId="263"/>
+            <ac:spMk id="42" creationId="{00000000-0000-0000-0000-000000000000}"/>
+          </ac:spMkLst>
+        </pc:spChg>
+        <pc:spChg chg="mod">
+          <ac:chgData name="" userId="5ef20b631d4f0458" providerId="LiveId" clId="{0BB0E767-D758-4F15-864C-8638EDB3E9FB}" dt="2018-04-15T13:02:50.439" v="120" actId="1035"/>
+          <ac:spMkLst>
+            <pc:docMk/>
+            <pc:sldMk cId="2396968029" sldId="263"/>
+            <ac:spMk id="66" creationId="{00000000-0000-0000-0000-000000000000}"/>
+          </ac:spMkLst>
+        </pc:spChg>
+        <pc:spChg chg="add mod">
+          <ac:chgData name="" userId="5ef20b631d4f0458" providerId="LiveId" clId="{0BB0E767-D758-4F15-864C-8638EDB3E9FB}" dt="2018-04-15T12:59:35.879" v="55" actId="1036"/>
+          <ac:spMkLst>
+            <pc:docMk/>
+            <pc:sldMk cId="2396968029" sldId="263"/>
+            <ac:spMk id="72" creationId="{C1271532-2A93-425E-9B78-859DD5E726CB}"/>
+          </ac:spMkLst>
+        </pc:spChg>
+        <pc:spChg chg="add mod">
+          <ac:chgData name="" userId="5ef20b631d4f0458" providerId="LiveId" clId="{0BB0E767-D758-4F15-864C-8638EDB3E9FB}" dt="2018-04-15T12:58:40.227" v="39" actId="571"/>
+          <ac:spMkLst>
+            <pc:docMk/>
+            <pc:sldMk cId="2396968029" sldId="263"/>
+            <ac:spMk id="94" creationId="{A024A27C-3D10-4740-ACCC-F2E65A236F88}"/>
+          </ac:spMkLst>
+        </pc:spChg>
+        <pc:spChg chg="add mod">
+          <ac:chgData name="" userId="5ef20b631d4f0458" providerId="LiveId" clId="{0BB0E767-D758-4F15-864C-8638EDB3E9FB}" dt="2018-04-15T12:58:40.227" v="39" actId="571"/>
+          <ac:spMkLst>
+            <pc:docMk/>
+            <pc:sldMk cId="2396968029" sldId="263"/>
+            <ac:spMk id="95" creationId="{AB47DAFC-4A7C-482D-8059-64BFAA879A55}"/>
+          </ac:spMkLst>
+        </pc:spChg>
+        <pc:spChg chg="add mod">
+          <ac:chgData name="" userId="5ef20b631d4f0458" providerId="LiveId" clId="{0BB0E767-D758-4F15-864C-8638EDB3E9FB}" dt="2018-04-15T12:58:44.779" v="41" actId="571"/>
+          <ac:spMkLst>
+            <pc:docMk/>
+            <pc:sldMk cId="2396968029" sldId="263"/>
+            <ac:spMk id="96" creationId="{411B12E1-B008-48CE-ADAE-3137729E25F7}"/>
+          </ac:spMkLst>
+        </pc:spChg>
+        <pc:spChg chg="add mod">
+          <ac:chgData name="" userId="5ef20b631d4f0458" providerId="LiveId" clId="{0BB0E767-D758-4F15-864C-8638EDB3E9FB}" dt="2018-04-15T12:58:44.779" v="41" actId="571"/>
+          <ac:spMkLst>
+            <pc:docMk/>
+            <pc:sldMk cId="2396968029" sldId="263"/>
+            <ac:spMk id="98" creationId="{D58E0157-C690-4ED8-87A5-4730A3ECA743}"/>
+          </ac:spMkLst>
+        </pc:spChg>
+        <pc:spChg chg="add mod">
+          <ac:chgData name="" userId="5ef20b631d4f0458" providerId="LiveId" clId="{0BB0E767-D758-4F15-864C-8638EDB3E9FB}" dt="2018-04-15T12:58:50.788" v="43" actId="571"/>
+          <ac:spMkLst>
+            <pc:docMk/>
+            <pc:sldMk cId="2396968029" sldId="263"/>
+            <ac:spMk id="101" creationId="{1959A1C3-C0AA-4DB6-A793-B7672D3674EE}"/>
+          </ac:spMkLst>
+        </pc:spChg>
+        <pc:spChg chg="add mod">
+          <ac:chgData name="" userId="5ef20b631d4f0458" providerId="LiveId" clId="{0BB0E767-D758-4F15-864C-8638EDB3E9FB}" dt="2018-04-15T12:58:50.788" v="43" actId="571"/>
+          <ac:spMkLst>
+            <pc:docMk/>
+            <pc:sldMk cId="2396968029" sldId="263"/>
+            <ac:spMk id="102" creationId="{58552A03-12BC-4A5F-9CF9-4FF9CD37AC96}"/>
+          </ac:spMkLst>
+        </pc:spChg>
+        <pc:spChg chg="add mod">
+          <ac:chgData name="" userId="5ef20b631d4f0458" providerId="LiveId" clId="{0BB0E767-D758-4F15-864C-8638EDB3E9FB}" dt="2018-04-15T12:59:35.879" v="55" actId="1036"/>
+          <ac:spMkLst>
+            <pc:docMk/>
+            <pc:sldMk cId="2396968029" sldId="263"/>
+            <ac:spMk id="103" creationId="{3D713460-0BF1-47CC-96EA-908AD1662528}"/>
+          </ac:spMkLst>
+        </pc:spChg>
+        <pc:spChg chg="add mod">
+          <ac:chgData name="" userId="5ef20b631d4f0458" providerId="LiveId" clId="{0BB0E767-D758-4F15-864C-8638EDB3E9FB}" dt="2018-04-15T12:59:35.879" v="55" actId="1036"/>
+          <ac:spMkLst>
+            <pc:docMk/>
+            <pc:sldMk cId="2396968029" sldId="263"/>
+            <ac:spMk id="104" creationId="{0E41A108-5912-486B-975F-333E0D2F4A5E}"/>
+          </ac:spMkLst>
+        </pc:spChg>
+        <pc:spChg chg="add mod">
+          <ac:chgData name="" userId="5ef20b631d4f0458" providerId="LiveId" clId="{0BB0E767-D758-4F15-864C-8638EDB3E9FB}" dt="2018-04-15T12:59:35.879" v="55" actId="1036"/>
+          <ac:spMkLst>
+            <pc:docMk/>
+            <pc:sldMk cId="2396968029" sldId="263"/>
+            <ac:spMk id="106" creationId="{434F5D95-7594-4196-8133-7AE566BCBA44}"/>
+          </ac:spMkLst>
+        </pc:spChg>
+        <pc:spChg chg="add del mod">
+          <ac:chgData name="" userId="5ef20b631d4f0458" providerId="LiveId" clId="{0BB0E767-D758-4F15-864C-8638EDB3E9FB}" dt="2018-04-15T13:00:41.680" v="78" actId="478"/>
+          <ac:spMkLst>
+            <pc:docMk/>
+            <pc:sldMk cId="2396968029" sldId="263"/>
+            <ac:spMk id="108" creationId="{1B3204F9-7BE4-42C7-AFC7-E476DB428A93}"/>
+          </ac:spMkLst>
+        </pc:spChg>
+        <pc:spChg chg="add del mod">
+          <ac:chgData name="" userId="5ef20b631d4f0458" providerId="LiveId" clId="{0BB0E767-D758-4F15-864C-8638EDB3E9FB}" dt="2018-04-15T13:00:41.680" v="78" actId="478"/>
+          <ac:spMkLst>
+            <pc:docMk/>
+            <pc:sldMk cId="2396968029" sldId="263"/>
+            <ac:spMk id="109" creationId="{7A204B45-4B0F-48C8-9B03-95CA75A92B89}"/>
+          </ac:spMkLst>
+        </pc:spChg>
+        <pc:spChg chg="add del mod">
+          <ac:chgData name="" userId="5ef20b631d4f0458" providerId="LiveId" clId="{0BB0E767-D758-4F15-864C-8638EDB3E9FB}" dt="2018-04-15T13:00:41.680" v="78" actId="478"/>
+          <ac:spMkLst>
+            <pc:docMk/>
+            <pc:sldMk cId="2396968029" sldId="263"/>
+            <ac:spMk id="111" creationId="{E07CF020-2199-4224-B45F-3BB7D2FFF49A}"/>
+          </ac:spMkLst>
+        </pc:spChg>
+        <pc:spChg chg="add del mod">
+          <ac:chgData name="" userId="5ef20b631d4f0458" providerId="LiveId" clId="{0BB0E767-D758-4F15-864C-8638EDB3E9FB}" dt="2018-04-15T13:00:41.680" v="78" actId="478"/>
+          <ac:spMkLst>
+            <pc:docMk/>
+            <pc:sldMk cId="2396968029" sldId="263"/>
+            <ac:spMk id="113" creationId="{9A10B3D0-7B45-45DF-9183-E836A328AEEA}"/>
+          </ac:spMkLst>
+        </pc:spChg>
+        <pc:spChg chg="add mod">
+          <ac:chgData name="" userId="5ef20b631d4f0458" providerId="LiveId" clId="{0BB0E767-D758-4F15-864C-8638EDB3E9FB}" dt="2018-04-15T13:02:37.337" v="116" actId="1036"/>
+          <ac:spMkLst>
+            <pc:docMk/>
+            <pc:sldMk cId="2396968029" sldId="263"/>
+            <ac:spMk id="116" creationId="{D6378A4D-D2FD-4F93-BFC9-87F9713C46D0}"/>
+          </ac:spMkLst>
+        </pc:spChg>
+        <pc:spChg chg="mod">
+          <ac:chgData name="" userId="5ef20b631d4f0458" providerId="LiveId" clId="{0BB0E767-D758-4F15-864C-8638EDB3E9FB}" dt="2018-04-15T12:59:40.810" v="56" actId="14100"/>
+          <ac:spMkLst>
+            <pc:docMk/>
+            <pc:sldMk cId="2396968029" sldId="263"/>
+            <ac:spMk id="118" creationId="{00000000-0000-0000-0000-000000000000}"/>
+          </ac:spMkLst>
+        </pc:spChg>
+        <pc:spChg chg="add mod">
+          <ac:chgData name="" userId="5ef20b631d4f0458" providerId="LiveId" clId="{0BB0E767-D758-4F15-864C-8638EDB3E9FB}" dt="2018-04-15T13:02:37.337" v="116" actId="1036"/>
+          <ac:spMkLst>
+            <pc:docMk/>
+            <pc:sldMk cId="2396968029" sldId="263"/>
+            <ac:spMk id="121" creationId="{CDF316C8-29AF-41BF-8D16-FDD5A91AF048}"/>
+          </ac:spMkLst>
+        </pc:spChg>
+        <pc:spChg chg="add mod">
+          <ac:chgData name="" userId="5ef20b631d4f0458" providerId="LiveId" clId="{0BB0E767-D758-4F15-864C-8638EDB3E9FB}" dt="2018-04-15T13:02:55.563" v="121" actId="571"/>
+          <ac:spMkLst>
+            <pc:docMk/>
+            <pc:sldMk cId="2396968029" sldId="263"/>
+            <ac:spMk id="123" creationId="{44BFEE97-B5F3-4566-BBA4-B0C4CF4E1D0C}"/>
+          </ac:spMkLst>
+        </pc:spChg>
+        <pc:spChg chg="add mod">
+          <ac:chgData name="" userId="5ef20b631d4f0458" providerId="LiveId" clId="{0BB0E767-D758-4F15-864C-8638EDB3E9FB}" dt="2018-04-15T13:03:19.254" v="125" actId="1037"/>
+          <ac:spMkLst>
+            <pc:docMk/>
+            <pc:sldMk cId="2396968029" sldId="263"/>
+            <ac:spMk id="125" creationId="{71329DC4-283D-49CF-B26C-334DC4392641}"/>
+          </ac:spMkLst>
+        </pc:spChg>
+        <pc:cxnChg chg="mod">
+          <ac:chgData name="" userId="5ef20b631d4f0458" providerId="LiveId" clId="{0BB0E767-D758-4F15-864C-8638EDB3E9FB}" dt="2018-04-15T13:01:28.801" v="89" actId="1036"/>
+          <ac:cxnSpMkLst>
+            <pc:docMk/>
+            <pc:sldMk cId="2396968029" sldId="263"/>
+            <ac:cxnSpMk id="58" creationId="{00000000-0000-0000-0000-000000000000}"/>
+          </ac:cxnSpMkLst>
+        </pc:cxnChg>
+        <pc:cxnChg chg="add mod">
+          <ac:chgData name="" userId="5ef20b631d4f0458" providerId="LiveId" clId="{0BB0E767-D758-4F15-864C-8638EDB3E9FB}" dt="2018-04-15T12:59:35.879" v="55" actId="1036"/>
+          <ac:cxnSpMkLst>
+            <pc:docMk/>
+            <pc:sldMk cId="2396968029" sldId="263"/>
+            <ac:cxnSpMk id="71" creationId="{806D839C-92F6-4920-A629-68B9C76EF849}"/>
+          </ac:cxnSpMkLst>
+        </pc:cxnChg>
+        <pc:cxnChg chg="mod">
+          <ac:chgData name="" userId="5ef20b631d4f0458" providerId="LiveId" clId="{0BB0E767-D758-4F15-864C-8638EDB3E9FB}" dt="2018-04-15T12:56:45.886" v="7" actId="1038"/>
+          <ac:cxnSpMkLst>
+            <pc:docMk/>
+            <pc:sldMk cId="2396968029" sldId="263"/>
+            <ac:cxnSpMk id="74" creationId="{00000000-0000-0000-0000-000000000000}"/>
+          </ac:cxnSpMkLst>
+        </pc:cxnChg>
+        <pc:cxnChg chg="add mod">
+          <ac:chgData name="" userId="5ef20b631d4f0458" providerId="LiveId" clId="{0BB0E767-D758-4F15-864C-8638EDB3E9FB}" dt="2018-04-15T12:59:35.879" v="55" actId="1036"/>
+          <ac:cxnSpMkLst>
+            <pc:docMk/>
+            <pc:sldMk cId="2396968029" sldId="263"/>
+            <ac:cxnSpMk id="105" creationId="{135E0DFA-DFA4-4AA2-BEC7-CC40921EE422}"/>
+          </ac:cxnSpMkLst>
+        </pc:cxnChg>
+        <pc:cxnChg chg="mod">
+          <ac:chgData name="" userId="5ef20b631d4f0458" providerId="LiveId" clId="{0BB0E767-D758-4F15-864C-8638EDB3E9FB}" dt="2018-04-15T13:02:21.643" v="112" actId="14100"/>
+          <ac:cxnSpMkLst>
+            <pc:docMk/>
+            <pc:sldMk cId="2396968029" sldId="263"/>
+            <ac:cxnSpMk id="107" creationId="{00000000-0000-0000-0000-000000000000}"/>
+          </ac:cxnSpMkLst>
+        </pc:cxnChg>
+        <pc:cxnChg chg="add del mod">
+          <ac:chgData name="" userId="5ef20b631d4f0458" providerId="LiveId" clId="{0BB0E767-D758-4F15-864C-8638EDB3E9FB}" dt="2018-04-15T13:00:41.680" v="78" actId="478"/>
+          <ac:cxnSpMkLst>
+            <pc:docMk/>
+            <pc:sldMk cId="2396968029" sldId="263"/>
+            <ac:cxnSpMk id="110" creationId="{13BF2A3E-6B37-4C7D-9019-63378601FCE9}"/>
+          </ac:cxnSpMkLst>
+        </pc:cxnChg>
+        <pc:cxnChg chg="add del mod">
+          <ac:chgData name="" userId="5ef20b631d4f0458" providerId="LiveId" clId="{0BB0E767-D758-4F15-864C-8638EDB3E9FB}" dt="2018-04-15T13:00:41.680" v="78" actId="478"/>
+          <ac:cxnSpMkLst>
+            <pc:docMk/>
+            <pc:sldMk cId="2396968029" sldId="263"/>
+            <ac:cxnSpMk id="112" creationId="{19BC91F2-80AE-4EA6-860E-4D1F12736E3C}"/>
+          </ac:cxnSpMkLst>
+        </pc:cxnChg>
+        <pc:cxnChg chg="add del mod">
+          <ac:chgData name="" userId="5ef20b631d4f0458" providerId="LiveId" clId="{0BB0E767-D758-4F15-864C-8638EDB3E9FB}" dt="2018-04-15T13:00:41.680" v="78" actId="478"/>
+          <ac:cxnSpMkLst>
+            <pc:docMk/>
+            <pc:sldMk cId="2396968029" sldId="263"/>
+            <ac:cxnSpMk id="115" creationId="{FA15D879-5505-4031-8518-07B9DA8ABBD0}"/>
+          </ac:cxnSpMkLst>
+        </pc:cxnChg>
+        <pc:cxnChg chg="add mod">
+          <ac:chgData name="" userId="5ef20b631d4f0458" providerId="LiveId" clId="{0BB0E767-D758-4F15-864C-8638EDB3E9FB}" dt="2018-04-15T13:02:37.337" v="116" actId="1036"/>
+          <ac:cxnSpMkLst>
+            <pc:docMk/>
+            <pc:sldMk cId="2396968029" sldId="263"/>
+            <ac:cxnSpMk id="117" creationId="{5BCB1187-6D43-42B4-8FF2-49E3919299EE}"/>
+          </ac:cxnSpMkLst>
+        </pc:cxnChg>
+      </pc:sldChg>
+    </pc:docChg>
+  </pc:docChgLst>
+</pc:chgInfo>
+</file>
+
 <file path=ppt/notesMasters/notesMaster1.xml><?xml version="1.0" encoding="utf-8"?>
 <p:notesMaster xmlns:a="http://schemas.openxmlformats.org/drawingml/2006/main" xmlns:r="http://schemas.openxmlformats.org/officeDocument/2006/relationships" xmlns:p="http://schemas.openxmlformats.org/presentationml/2006/main">
   <p:cSld>
@@ -208,7 +485,7 @@
           <a:p>
             <a:fld id="{F5CC4B3F-88C1-4FFA-B1B6-F41C21DC6924}" type="datetimeFigureOut">
               <a:rPr lang="en-US" smtClean="0"/>
-              <a:t>3/21/2018</a:t>
+              <a:t>4/15/2018</a:t>
             </a:fld>
             <a:endParaRPr lang="en-US"/>
           </a:p>
@@ -272,38 +549,37 @@
           <a:p>
             <a:pPr lvl="0"/>
             <a:r>
-              <a:rPr lang="en-US" smtClean="0"/>
+              <a:rPr lang="en-US"/>
               <a:t>Click to edit Master text styles</a:t>
             </a:r>
           </a:p>
           <a:p>
             <a:pPr lvl="1"/>
             <a:r>
-              <a:rPr lang="en-US" smtClean="0"/>
+              <a:rPr lang="en-US"/>
               <a:t>Second level</a:t>
             </a:r>
           </a:p>
           <a:p>
             <a:pPr lvl="2"/>
             <a:r>
-              <a:rPr lang="en-US" smtClean="0"/>
+              <a:rPr lang="en-US"/>
               <a:t>Third level</a:t>
             </a:r>
           </a:p>
           <a:p>
             <a:pPr lvl="3"/>
             <a:r>
-              <a:rPr lang="en-US" smtClean="0"/>
+              <a:rPr lang="en-US"/>
               <a:t>Fourth level</a:t>
             </a:r>
           </a:p>
           <a:p>
             <a:pPr lvl="4"/>
             <a:r>
-              <a:rPr lang="en-US" smtClean="0"/>
+              <a:rPr lang="en-US"/>
               <a:t>Fifth level</a:t>
             </a:r>
-            <a:endParaRPr lang="en-US"/>
           </a:p>
         </p:txBody>
       </p:sp>
@@ -514,10 +790,9 @@
           <a:lstStyle/>
           <a:p>
             <a:r>
-              <a:rPr lang="en-US" smtClean="0"/>
+              <a:rPr lang="en-US"/>
               <a:t>Click to edit Master title style</a:t>
             </a:r>
-            <a:endParaRPr lang="en-US"/>
           </a:p>
         </p:txBody>
       </p:sp>
@@ -633,10 +908,9 @@
           </a:lstStyle>
           <a:p>
             <a:r>
-              <a:rPr lang="en-US" smtClean="0"/>
+              <a:rPr lang="en-US"/>
               <a:t>Click to edit Master subtitle style</a:t>
             </a:r>
-            <a:endParaRPr lang="en-US"/>
           </a:p>
         </p:txBody>
       </p:sp>
@@ -657,7 +931,7 @@
           <a:p>
             <a:fld id="{78C97017-6FC3-485B-9764-EAC9E56C1D49}" type="datetimeFigureOut">
               <a:rPr lang="en-US" smtClean="0"/>
-              <a:t>3/21/2018</a:t>
+              <a:t>4/15/2018</a:t>
             </a:fld>
             <a:endParaRPr lang="en-US"/>
           </a:p>
@@ -751,10 +1025,9 @@
           <a:lstStyle/>
           <a:p>
             <a:r>
-              <a:rPr lang="en-US" smtClean="0"/>
+              <a:rPr lang="en-US"/>
               <a:t>Click to edit Master title style</a:t>
             </a:r>
-            <a:endParaRPr lang="en-US"/>
           </a:p>
         </p:txBody>
       </p:sp>
@@ -775,38 +1048,37 @@
           <a:p>
             <a:pPr lvl="0"/>
             <a:r>
-              <a:rPr lang="en-US" smtClean="0"/>
+              <a:rPr lang="en-US"/>
               <a:t>Click to edit Master text styles</a:t>
             </a:r>
           </a:p>
           <a:p>
             <a:pPr lvl="1"/>
             <a:r>
-              <a:rPr lang="en-US" smtClean="0"/>
+              <a:rPr lang="en-US"/>
               <a:t>Second level</a:t>
             </a:r>
           </a:p>
           <a:p>
             <a:pPr lvl="2"/>
             <a:r>
-              <a:rPr lang="en-US" smtClean="0"/>
+              <a:rPr lang="en-US"/>
               <a:t>Third level</a:t>
             </a:r>
           </a:p>
           <a:p>
             <a:pPr lvl="3"/>
             <a:r>
-              <a:rPr lang="en-US" smtClean="0"/>
+              <a:rPr lang="en-US"/>
               <a:t>Fourth level</a:t>
             </a:r>
           </a:p>
           <a:p>
             <a:pPr lvl="4"/>
             <a:r>
-              <a:rPr lang="en-US" smtClean="0"/>
+              <a:rPr lang="en-US"/>
               <a:t>Fifth level</a:t>
             </a:r>
-            <a:endParaRPr lang="en-US"/>
           </a:p>
         </p:txBody>
       </p:sp>
@@ -827,7 +1099,7 @@
           <a:p>
             <a:fld id="{78C97017-6FC3-485B-9764-EAC9E56C1D49}" type="datetimeFigureOut">
               <a:rPr lang="en-US" smtClean="0"/>
-              <a:t>3/21/2018</a:t>
+              <a:t>4/15/2018</a:t>
             </a:fld>
             <a:endParaRPr lang="en-US"/>
           </a:p>
@@ -926,10 +1198,9 @@
           <a:lstStyle/>
           <a:p>
             <a:r>
-              <a:rPr lang="en-US" smtClean="0"/>
+              <a:rPr lang="en-US"/>
               <a:t>Click to edit Master title style</a:t>
             </a:r>
-            <a:endParaRPr lang="en-US"/>
           </a:p>
         </p:txBody>
       </p:sp>
@@ -955,38 +1226,37 @@
           <a:p>
             <a:pPr lvl="0"/>
             <a:r>
-              <a:rPr lang="en-US" smtClean="0"/>
+              <a:rPr lang="en-US"/>
               <a:t>Click to edit Master text styles</a:t>
             </a:r>
           </a:p>
           <a:p>
             <a:pPr lvl="1"/>
             <a:r>
-              <a:rPr lang="en-US" smtClean="0"/>
+              <a:rPr lang="en-US"/>
               <a:t>Second level</a:t>
             </a:r>
           </a:p>
           <a:p>
             <a:pPr lvl="2"/>
             <a:r>
-              <a:rPr lang="en-US" smtClean="0"/>
+              <a:rPr lang="en-US"/>
               <a:t>Third level</a:t>
             </a:r>
           </a:p>
           <a:p>
             <a:pPr lvl="3"/>
             <a:r>
-              <a:rPr lang="en-US" smtClean="0"/>
+              <a:rPr lang="en-US"/>
               <a:t>Fourth level</a:t>
             </a:r>
           </a:p>
           <a:p>
             <a:pPr lvl="4"/>
             <a:r>
-              <a:rPr lang="en-US" smtClean="0"/>
+              <a:rPr lang="en-US"/>
               <a:t>Fifth level</a:t>
             </a:r>
-            <a:endParaRPr lang="en-US"/>
           </a:p>
         </p:txBody>
       </p:sp>
@@ -1007,7 +1277,7 @@
           <a:p>
             <a:fld id="{78C97017-6FC3-485B-9764-EAC9E56C1D49}" type="datetimeFigureOut">
               <a:rPr lang="en-US" smtClean="0"/>
-              <a:t>3/21/2018</a:t>
+              <a:t>4/15/2018</a:t>
             </a:fld>
             <a:endParaRPr lang="en-US"/>
           </a:p>
@@ -1101,10 +1371,9 @@
           <a:lstStyle/>
           <a:p>
             <a:r>
-              <a:rPr lang="en-US" smtClean="0"/>
+              <a:rPr lang="en-US"/>
               <a:t>Click to edit Master title style</a:t>
             </a:r>
-            <a:endParaRPr lang="en-US"/>
           </a:p>
         </p:txBody>
       </p:sp>
@@ -1125,38 +1394,37 @@
           <a:p>
             <a:pPr lvl="0"/>
             <a:r>
-              <a:rPr lang="en-US" smtClean="0"/>
+              <a:rPr lang="en-US"/>
               <a:t>Click to edit Master text styles</a:t>
             </a:r>
           </a:p>
           <a:p>
             <a:pPr lvl="1"/>
             <a:r>
-              <a:rPr lang="en-US" smtClean="0"/>
+              <a:rPr lang="en-US"/>
               <a:t>Second level</a:t>
             </a:r>
           </a:p>
           <a:p>
             <a:pPr lvl="2"/>
             <a:r>
-              <a:rPr lang="en-US" smtClean="0"/>
+              <a:rPr lang="en-US"/>
               <a:t>Third level</a:t>
             </a:r>
           </a:p>
           <a:p>
             <a:pPr lvl="3"/>
             <a:r>
-              <a:rPr lang="en-US" smtClean="0"/>
+              <a:rPr lang="en-US"/>
               <a:t>Fourth level</a:t>
             </a:r>
           </a:p>
           <a:p>
             <a:pPr lvl="4"/>
             <a:r>
-              <a:rPr lang="en-US" smtClean="0"/>
+              <a:rPr lang="en-US"/>
               <a:t>Fifth level</a:t>
             </a:r>
-            <a:endParaRPr lang="en-US"/>
           </a:p>
         </p:txBody>
       </p:sp>
@@ -1177,7 +1445,7 @@
           <a:p>
             <a:fld id="{78C97017-6FC3-485B-9764-EAC9E56C1D49}" type="datetimeFigureOut">
               <a:rPr lang="en-US" smtClean="0"/>
-              <a:t>3/21/2018</a:t>
+              <a:t>4/15/2018</a:t>
             </a:fld>
             <a:endParaRPr lang="en-US"/>
           </a:p>
@@ -1280,10 +1548,9 @@
           </a:lstStyle>
           <a:p>
             <a:r>
-              <a:rPr lang="en-US" smtClean="0"/>
+              <a:rPr lang="en-US"/>
               <a:t>Click to edit Master title style</a:t>
             </a:r>
-            <a:endParaRPr lang="en-US"/>
           </a:p>
         </p:txBody>
       </p:sp>
@@ -1400,7 +1667,7 @@
           <a:p>
             <a:pPr lvl="0"/>
             <a:r>
-              <a:rPr lang="en-US" smtClean="0"/>
+              <a:rPr lang="en-US"/>
               <a:t>Click to edit Master text styles</a:t>
             </a:r>
           </a:p>
@@ -1423,7 +1690,7 @@
           <a:p>
             <a:fld id="{78C97017-6FC3-485B-9764-EAC9E56C1D49}" type="datetimeFigureOut">
               <a:rPr lang="en-US" smtClean="0"/>
-              <a:t>3/21/2018</a:t>
+              <a:t>4/15/2018</a:t>
             </a:fld>
             <a:endParaRPr lang="en-US"/>
           </a:p>
@@ -1517,10 +1784,9 @@
           <a:lstStyle/>
           <a:p>
             <a:r>
-              <a:rPr lang="en-US" smtClean="0"/>
+              <a:rPr lang="en-US"/>
               <a:t>Click to edit Master title style</a:t>
             </a:r>
-            <a:endParaRPr lang="en-US"/>
           </a:p>
         </p:txBody>
       </p:sp>
@@ -1574,38 +1840,37 @@
           <a:p>
             <a:pPr lvl="0"/>
             <a:r>
-              <a:rPr lang="en-US" smtClean="0"/>
+              <a:rPr lang="en-US"/>
               <a:t>Click to edit Master text styles</a:t>
             </a:r>
           </a:p>
           <a:p>
             <a:pPr lvl="1"/>
             <a:r>
-              <a:rPr lang="en-US" smtClean="0"/>
+              <a:rPr lang="en-US"/>
               <a:t>Second level</a:t>
             </a:r>
           </a:p>
           <a:p>
             <a:pPr lvl="2"/>
             <a:r>
-              <a:rPr lang="en-US" smtClean="0"/>
+              <a:rPr lang="en-US"/>
               <a:t>Third level</a:t>
             </a:r>
           </a:p>
           <a:p>
             <a:pPr lvl="3"/>
             <a:r>
-              <a:rPr lang="en-US" smtClean="0"/>
+              <a:rPr lang="en-US"/>
               <a:t>Fourth level</a:t>
             </a:r>
           </a:p>
           <a:p>
             <a:pPr lvl="4"/>
             <a:r>
-              <a:rPr lang="en-US" smtClean="0"/>
+              <a:rPr lang="en-US"/>
               <a:t>Fifth level</a:t>
             </a:r>
-            <a:endParaRPr lang="en-US"/>
           </a:p>
         </p:txBody>
       </p:sp>
@@ -1659,38 +1924,37 @@
           <a:p>
             <a:pPr lvl="0"/>
             <a:r>
-              <a:rPr lang="en-US" smtClean="0"/>
+              <a:rPr lang="en-US"/>
               <a:t>Click to edit Master text styles</a:t>
             </a:r>
           </a:p>
           <a:p>
             <a:pPr lvl="1"/>
             <a:r>
-              <a:rPr lang="en-US" smtClean="0"/>
+              <a:rPr lang="en-US"/>
               <a:t>Second level</a:t>
             </a:r>
           </a:p>
           <a:p>
             <a:pPr lvl="2"/>
             <a:r>
-              <a:rPr lang="en-US" smtClean="0"/>
+              <a:rPr lang="en-US"/>
               <a:t>Third level</a:t>
             </a:r>
           </a:p>
           <a:p>
             <a:pPr lvl="3"/>
             <a:r>
-              <a:rPr lang="en-US" smtClean="0"/>
+              <a:rPr lang="en-US"/>
               <a:t>Fourth level</a:t>
             </a:r>
           </a:p>
           <a:p>
             <a:pPr lvl="4"/>
             <a:r>
-              <a:rPr lang="en-US" smtClean="0"/>
+              <a:rPr lang="en-US"/>
               <a:t>Fifth level</a:t>
             </a:r>
-            <a:endParaRPr lang="en-US"/>
           </a:p>
         </p:txBody>
       </p:sp>
@@ -1711,7 +1975,7 @@
           <a:p>
             <a:fld id="{78C97017-6FC3-485B-9764-EAC9E56C1D49}" type="datetimeFigureOut">
               <a:rPr lang="en-US" smtClean="0"/>
-              <a:t>3/21/2018</a:t>
+              <a:t>4/15/2018</a:t>
             </a:fld>
             <a:endParaRPr lang="en-US"/>
           </a:p>
@@ -1809,10 +2073,9 @@
           </a:lstStyle>
           <a:p>
             <a:r>
-              <a:rPr lang="en-US" smtClean="0"/>
+              <a:rPr lang="en-US"/>
               <a:t>Click to edit Master title style</a:t>
             </a:r>
-            <a:endParaRPr lang="en-US"/>
           </a:p>
         </p:txBody>
       </p:sp>
@@ -1875,7 +2138,7 @@
           <a:p>
             <a:pPr lvl="0"/>
             <a:r>
-              <a:rPr lang="en-US" smtClean="0"/>
+              <a:rPr lang="en-US"/>
               <a:t>Click to edit Master text styles</a:t>
             </a:r>
           </a:p>
@@ -1931,38 +2194,37 @@
           <a:p>
             <a:pPr lvl="0"/>
             <a:r>
-              <a:rPr lang="en-US" smtClean="0"/>
+              <a:rPr lang="en-US"/>
               <a:t>Click to edit Master text styles</a:t>
             </a:r>
           </a:p>
           <a:p>
             <a:pPr lvl="1"/>
             <a:r>
-              <a:rPr lang="en-US" smtClean="0"/>
+              <a:rPr lang="en-US"/>
               <a:t>Second level</a:t>
             </a:r>
           </a:p>
           <a:p>
             <a:pPr lvl="2"/>
             <a:r>
-              <a:rPr lang="en-US" smtClean="0"/>
+              <a:rPr lang="en-US"/>
               <a:t>Third level</a:t>
             </a:r>
           </a:p>
           <a:p>
             <a:pPr lvl="3"/>
             <a:r>
-              <a:rPr lang="en-US" smtClean="0"/>
+              <a:rPr lang="en-US"/>
               <a:t>Fourth level</a:t>
             </a:r>
           </a:p>
           <a:p>
             <a:pPr lvl="4"/>
             <a:r>
-              <a:rPr lang="en-US" smtClean="0"/>
+              <a:rPr lang="en-US"/>
               <a:t>Fifth level</a:t>
             </a:r>
-            <a:endParaRPr lang="en-US"/>
           </a:p>
         </p:txBody>
       </p:sp>
@@ -2025,7 +2287,7 @@
           <a:p>
             <a:pPr lvl="0"/>
             <a:r>
-              <a:rPr lang="en-US" smtClean="0"/>
+              <a:rPr lang="en-US"/>
               <a:t>Click to edit Master text styles</a:t>
             </a:r>
           </a:p>
@@ -2081,38 +2343,37 @@
           <a:p>
             <a:pPr lvl="0"/>
             <a:r>
-              <a:rPr lang="en-US" smtClean="0"/>
+              <a:rPr lang="en-US"/>
               <a:t>Click to edit Master text styles</a:t>
             </a:r>
           </a:p>
           <a:p>
             <a:pPr lvl="1"/>
             <a:r>
-              <a:rPr lang="en-US" smtClean="0"/>
+              <a:rPr lang="en-US"/>
               <a:t>Second level</a:t>
             </a:r>
           </a:p>
           <a:p>
             <a:pPr lvl="2"/>
             <a:r>
-              <a:rPr lang="en-US" smtClean="0"/>
+              <a:rPr lang="en-US"/>
               <a:t>Third level</a:t>
             </a:r>
           </a:p>
           <a:p>
             <a:pPr lvl="3"/>
             <a:r>
-              <a:rPr lang="en-US" smtClean="0"/>
+              <a:rPr lang="en-US"/>
               <a:t>Fourth level</a:t>
             </a:r>
           </a:p>
           <a:p>
             <a:pPr lvl="4"/>
             <a:r>
-              <a:rPr lang="en-US" smtClean="0"/>
+              <a:rPr lang="en-US"/>
               <a:t>Fifth level</a:t>
             </a:r>
-            <a:endParaRPr lang="en-US"/>
           </a:p>
         </p:txBody>
       </p:sp>
@@ -2133,7 +2394,7 @@
           <a:p>
             <a:fld id="{78C97017-6FC3-485B-9764-EAC9E56C1D49}" type="datetimeFigureOut">
               <a:rPr lang="en-US" smtClean="0"/>
-              <a:t>3/21/2018</a:t>
+              <a:t>4/15/2018</a:t>
             </a:fld>
             <a:endParaRPr lang="en-US"/>
           </a:p>
@@ -2227,10 +2488,9 @@
           <a:lstStyle/>
           <a:p>
             <a:r>
-              <a:rPr lang="en-US" smtClean="0"/>
+              <a:rPr lang="en-US"/>
               <a:t>Click to edit Master title style</a:t>
             </a:r>
-            <a:endParaRPr lang="en-US"/>
           </a:p>
         </p:txBody>
       </p:sp>
@@ -2251,7 +2511,7 @@
           <a:p>
             <a:fld id="{78C97017-6FC3-485B-9764-EAC9E56C1D49}" type="datetimeFigureOut">
               <a:rPr lang="en-US" smtClean="0"/>
-              <a:t>3/21/2018</a:t>
+              <a:t>4/15/2018</a:t>
             </a:fld>
             <a:endParaRPr lang="en-US"/>
           </a:p>
@@ -2346,7 +2606,7 @@
           <a:p>
             <a:fld id="{78C97017-6FC3-485B-9764-EAC9E56C1D49}" type="datetimeFigureOut">
               <a:rPr lang="en-US" smtClean="0"/>
-              <a:t>3/21/2018</a:t>
+              <a:t>4/15/2018</a:t>
             </a:fld>
             <a:endParaRPr lang="en-US"/>
           </a:p>
@@ -2449,10 +2709,9 @@
           </a:lstStyle>
           <a:p>
             <a:r>
-              <a:rPr lang="en-US" smtClean="0"/>
+              <a:rPr lang="en-US"/>
               <a:t>Click to edit Master title style</a:t>
             </a:r>
-            <a:endParaRPr lang="en-US"/>
           </a:p>
         </p:txBody>
       </p:sp>
@@ -2506,38 +2765,37 @@
           <a:p>
             <a:pPr lvl="0"/>
             <a:r>
-              <a:rPr lang="en-US" smtClean="0"/>
+              <a:rPr lang="en-US"/>
               <a:t>Click to edit Master text styles</a:t>
             </a:r>
           </a:p>
           <a:p>
             <a:pPr lvl="1"/>
             <a:r>
-              <a:rPr lang="en-US" smtClean="0"/>
+              <a:rPr lang="en-US"/>
               <a:t>Second level</a:t>
             </a:r>
           </a:p>
           <a:p>
             <a:pPr lvl="2"/>
             <a:r>
-              <a:rPr lang="en-US" smtClean="0"/>
+              <a:rPr lang="en-US"/>
               <a:t>Third level</a:t>
             </a:r>
           </a:p>
           <a:p>
             <a:pPr lvl="3"/>
             <a:r>
-              <a:rPr lang="en-US" smtClean="0"/>
+              <a:rPr lang="en-US"/>
               <a:t>Fourth level</a:t>
             </a:r>
           </a:p>
           <a:p>
             <a:pPr lvl="4"/>
             <a:r>
-              <a:rPr lang="en-US" smtClean="0"/>
+              <a:rPr lang="en-US"/>
               <a:t>Fifth level</a:t>
             </a:r>
-            <a:endParaRPr lang="en-US"/>
           </a:p>
         </p:txBody>
       </p:sp>
@@ -2600,7 +2858,7 @@
           <a:p>
             <a:pPr lvl="0"/>
             <a:r>
-              <a:rPr lang="en-US" smtClean="0"/>
+              <a:rPr lang="en-US"/>
               <a:t>Click to edit Master text styles</a:t>
             </a:r>
           </a:p>
@@ -2623,7 +2881,7 @@
           <a:p>
             <a:fld id="{78C97017-6FC3-485B-9764-EAC9E56C1D49}" type="datetimeFigureOut">
               <a:rPr lang="en-US" smtClean="0"/>
-              <a:t>3/21/2018</a:t>
+              <a:t>4/15/2018</a:t>
             </a:fld>
             <a:endParaRPr lang="en-US"/>
           </a:p>
@@ -2726,10 +2984,9 @@
           </a:lstStyle>
           <a:p>
             <a:r>
-              <a:rPr lang="en-US" smtClean="0"/>
+              <a:rPr lang="en-US"/>
               <a:t>Click to edit Master title style</a:t>
             </a:r>
-            <a:endParaRPr lang="en-US"/>
           </a:p>
         </p:txBody>
       </p:sp>
@@ -2853,7 +3110,7 @@
           <a:p>
             <a:pPr lvl="0"/>
             <a:r>
-              <a:rPr lang="en-US" smtClean="0"/>
+              <a:rPr lang="en-US"/>
               <a:t>Click to edit Master text styles</a:t>
             </a:r>
           </a:p>
@@ -2876,7 +3133,7 @@
           <a:p>
             <a:fld id="{78C97017-6FC3-485B-9764-EAC9E56C1D49}" type="datetimeFigureOut">
               <a:rPr lang="en-US" smtClean="0"/>
-              <a:t>3/21/2018</a:t>
+              <a:t>4/15/2018</a:t>
             </a:fld>
             <a:endParaRPr lang="en-US"/>
           </a:p>
@@ -2985,10 +3242,9 @@
           <a:lstStyle/>
           <a:p>
             <a:r>
-              <a:rPr lang="en-US" smtClean="0"/>
+              <a:rPr lang="en-US"/>
               <a:t>Click to edit Master title style</a:t>
             </a:r>
-            <a:endParaRPr lang="en-US"/>
           </a:p>
         </p:txBody>
       </p:sp>
@@ -3019,38 +3275,37 @@
           <a:p>
             <a:pPr lvl="0"/>
             <a:r>
-              <a:rPr lang="en-US" smtClean="0"/>
+              <a:rPr lang="en-US"/>
               <a:t>Click to edit Master text styles</a:t>
             </a:r>
           </a:p>
           <a:p>
             <a:pPr lvl="1"/>
             <a:r>
-              <a:rPr lang="en-US" smtClean="0"/>
+              <a:rPr lang="en-US"/>
               <a:t>Second level</a:t>
             </a:r>
           </a:p>
           <a:p>
             <a:pPr lvl="2"/>
             <a:r>
-              <a:rPr lang="en-US" smtClean="0"/>
+              <a:rPr lang="en-US"/>
               <a:t>Third level</a:t>
             </a:r>
           </a:p>
           <a:p>
             <a:pPr lvl="3"/>
             <a:r>
-              <a:rPr lang="en-US" smtClean="0"/>
+              <a:rPr lang="en-US"/>
               <a:t>Fourth level</a:t>
             </a:r>
           </a:p>
           <a:p>
             <a:pPr lvl="4"/>
             <a:r>
-              <a:rPr lang="en-US" smtClean="0"/>
+              <a:rPr lang="en-US"/>
               <a:t>Fifth level</a:t>
             </a:r>
-            <a:endParaRPr lang="en-US"/>
           </a:p>
         </p:txBody>
       </p:sp>
@@ -3089,7 +3344,7 @@
           <a:p>
             <a:fld id="{78C97017-6FC3-485B-9764-EAC9E56C1D49}" type="datetimeFigureOut">
               <a:rPr lang="en-US" smtClean="0"/>
-              <a:t>3/21/2018</a:t>
+              <a:t>4/15/2018</a:t>
             </a:fld>
             <a:endParaRPr lang="en-US"/>
           </a:p>
@@ -3473,7 +3728,7 @@
         <p:spPr>
           <a:xfrm>
             <a:off x="1119865" y="1727200"/>
-            <a:ext cx="7490735" cy="2997200"/>
+            <a:ext cx="7490735" cy="4433560"/>
           </a:xfrm>
           <a:prstGeom prst="roundRect">
             <a:avLst>
@@ -3510,7 +3765,7 @@
           <a:lstStyle/>
           <a:p>
             <a:r>
-              <a:rPr lang="en-US" sz="1200" b="1" dirty="0" smtClean="0">
+              <a:rPr lang="en-US" sz="1200" b="1" dirty="0">
                 <a:solidFill>
                   <a:srgbClr val="7030A0"/>
                 </a:solidFill>
@@ -3533,7 +3788,7 @@
         </p:nvSpPr>
         <p:spPr>
           <a:xfrm>
-            <a:off x="2877180" y="3158440"/>
+            <a:off x="2877180" y="3006040"/>
             <a:ext cx="1093635" cy="346760"/>
           </a:xfrm>
           <a:prstGeom prst="rect">
@@ -3569,7 +3824,7 @@
           <a:p>
             <a:pPr algn="ctr"/>
             <a:r>
-              <a:rPr lang="en-US" sz="1050" dirty="0" err="1" smtClean="0">
+              <a:rPr lang="en-US" sz="1050" dirty="0" err="1">
                 <a:solidFill>
                   <a:schemeClr val="bg1"/>
                 </a:solidFill>
@@ -3628,7 +3883,7 @@
           <a:p>
             <a:pPr algn="ctr"/>
             <a:r>
-              <a:rPr lang="en-US" sz="1050" dirty="0" err="1" smtClean="0">
+              <a:rPr lang="en-US" sz="1050" dirty="0" err="1">
                 <a:solidFill>
                   <a:schemeClr val="bg1"/>
                 </a:solidFill>
@@ -3647,6 +3902,7 @@
         <p:nvCxnSpPr>
           <p:cNvPr id="107" name="Elbow Connector 106"/>
           <p:cNvCxnSpPr>
+            <a:cxnSpLocks/>
             <a:stCxn id="9" idx="1"/>
           </p:cNvCxnSpPr>
           <p:nvPr/>
@@ -3658,7 +3914,7 @@
           </a:xfrm>
           <a:prstGeom prst="bentConnector4">
             <a:avLst>
-              <a:gd name="adj1" fmla="val -101829"/>
+              <a:gd name="adj1" fmla="val -125635"/>
               <a:gd name="adj2" fmla="val 99976"/>
             </a:avLst>
           </a:prstGeom>
@@ -3742,7 +3998,7 @@
           <a:p>
             <a:pPr algn="ctr"/>
             <a:r>
-              <a:rPr lang="en-US" sz="1050" dirty="0" smtClean="0">
+              <a:rPr lang="en-US" sz="1050" dirty="0">
                 <a:solidFill>
                   <a:schemeClr val="bg1"/>
                 </a:solidFill>
@@ -3815,7 +4071,7 @@
         </p:nvCxnSpPr>
         <p:spPr>
           <a:xfrm>
-            <a:off x="2656370" y="3326536"/>
+            <a:off x="2656370" y="3174136"/>
             <a:ext cx="220810" cy="5284"/>
           </a:xfrm>
           <a:prstGeom prst="straightConnector1">
@@ -3937,7 +4193,7 @@
         </p:nvSpPr>
         <p:spPr>
           <a:xfrm>
-            <a:off x="2420322" y="3239846"/>
+            <a:off x="2420322" y="3087446"/>
             <a:ext cx="236048" cy="173380"/>
           </a:xfrm>
           <a:prstGeom prst="flowChartDecision">
@@ -4015,7 +4271,7 @@
           <a:p>
             <a:pPr algn="ctr"/>
             <a:r>
-              <a:rPr lang="en-US" sz="1050" dirty="0" err="1" smtClean="0">
+              <a:rPr lang="en-US" sz="1050" dirty="0" err="1">
                 <a:solidFill>
                   <a:srgbClr val="7030A0"/>
                 </a:solidFill>
@@ -4157,7 +4413,7 @@
           <a:p>
             <a:pPr algn="ctr"/>
             <a:r>
-              <a:rPr lang="en-US" sz="1050" dirty="0" err="1" smtClean="0">
+              <a:rPr lang="en-US" sz="1050" dirty="0" err="1">
                 <a:solidFill>
                   <a:srgbClr val="7030A0"/>
                 </a:solidFill>
@@ -4301,7 +4557,7 @@
           <a:p>
             <a:pPr algn="ctr"/>
             <a:r>
-              <a:rPr lang="en-US" sz="1050" dirty="0" err="1" smtClean="0">
+              <a:rPr lang="en-US" sz="1050" dirty="0" err="1">
                 <a:solidFill>
                   <a:srgbClr val="7030A0"/>
                 </a:solidFill>
@@ -4400,7 +4656,7 @@
           <a:p>
             <a:pPr algn="ctr"/>
             <a:r>
-              <a:rPr lang="en-US" sz="1050" dirty="0" smtClean="0">
+              <a:rPr lang="en-US" sz="1050" dirty="0">
                 <a:solidFill>
                   <a:srgbClr val="7030A0"/>
                 </a:solidFill>
@@ -4542,7 +4798,7 @@
           <a:p>
             <a:pPr algn="ctr"/>
             <a:r>
-              <a:rPr lang="en-US" sz="1050" dirty="0" smtClean="0">
+              <a:rPr lang="en-US" sz="1050" dirty="0">
                 <a:solidFill>
                   <a:srgbClr val="7030A0"/>
                 </a:solidFill>
@@ -4684,7 +4940,7 @@
           <a:p>
             <a:pPr algn="ctr"/>
             <a:r>
-              <a:rPr lang="en-US" sz="1050" dirty="0" smtClean="0">
+              <a:rPr lang="en-US" sz="1050" dirty="0">
                 <a:solidFill>
                   <a:srgbClr val="7030A0"/>
                 </a:solidFill>
@@ -4828,7 +5084,7 @@
           <a:p>
             <a:pPr algn="ctr"/>
             <a:r>
-              <a:rPr lang="en-US" sz="1050" dirty="0" smtClean="0">
+              <a:rPr lang="en-US" sz="1050" dirty="0">
                 <a:solidFill>
                   <a:srgbClr val="7030A0"/>
                 </a:solidFill>
@@ -4925,7 +5181,7 @@
           <a:p>
             <a:pPr algn="ctr"/>
             <a:r>
-              <a:rPr lang="en-US" sz="1050" dirty="0" smtClean="0">
+              <a:rPr lang="en-US" sz="1050" dirty="0">
                 <a:solidFill>
                   <a:srgbClr val="7030A0"/>
                 </a:solidFill>
@@ -5022,7 +5278,7 @@
           <a:p>
             <a:pPr algn="ctr"/>
             <a:r>
-              <a:rPr lang="en-US" sz="1050" dirty="0" smtClean="0">
+              <a:rPr lang="en-US" sz="1050" dirty="0">
                 <a:solidFill>
                   <a:srgbClr val="7030A0"/>
                 </a:solidFill>
@@ -5210,7 +5466,7 @@
           <a:p>
             <a:pPr algn="ctr"/>
             <a:r>
-              <a:rPr lang="en-US" sz="1050" dirty="0" smtClean="0">
+              <a:rPr lang="en-US" sz="1050" dirty="0">
                 <a:solidFill>
                   <a:srgbClr val="7030A0"/>
                 </a:solidFill>
@@ -5218,14 +5474,14 @@
               <a:t>&lt;&lt;interface&gt;&gt;</a:t>
             </a:r>
             <a:br>
-              <a:rPr lang="en-US" sz="1050" dirty="0" smtClean="0">
+              <a:rPr lang="en-US" sz="1050" dirty="0">
                 <a:solidFill>
                   <a:srgbClr val="7030A0"/>
                 </a:solidFill>
               </a:rPr>
             </a:br>
             <a:r>
-              <a:rPr lang="en-US" sz="1050" dirty="0" err="1" smtClean="0">
+              <a:rPr lang="en-US" sz="1050" dirty="0" err="1">
                 <a:solidFill>
                   <a:srgbClr val="7030A0"/>
                 </a:solidFill>
@@ -5264,7 +5520,7 @@
           <a:p>
             <a:pPr algn="r"/>
             <a:r>
-              <a:rPr lang="en-US" sz="1100" dirty="0" smtClean="0">
+              <a:rPr lang="en-US" sz="1100" dirty="0">
                 <a:solidFill>
                   <a:srgbClr val="7030A0"/>
                 </a:solidFill>
@@ -5320,20 +5576,12 @@
           <a:p>
             <a:pPr algn="ctr"/>
             <a:r>
-              <a:rPr lang="en-US" sz="1050" dirty="0" smtClean="0">
+              <a:rPr lang="en-US" sz="1050" dirty="0">
                 <a:solidFill>
                   <a:srgbClr val="7030A0"/>
                 </a:solidFill>
               </a:rPr>
               <a:t>&lt;&lt;interface&gt;&gt;</a:t>
-            </a:r>
-            <a:r>
-              <a:rPr lang="en-US" sz="1050">
-                <a:solidFill>
-                  <a:srgbClr val="7030A0"/>
-                </a:solidFill>
-              </a:rPr>
-              <a:t/>
             </a:r>
             <a:br>
               <a:rPr lang="en-US" sz="1050">
@@ -5343,7 +5591,7 @@
               </a:rPr>
             </a:br>
             <a:r>
-              <a:rPr lang="en-US" sz="1050" dirty="0" err="1" smtClean="0">
+              <a:rPr lang="en-US" sz="1050" dirty="0" err="1">
                 <a:solidFill>
                   <a:srgbClr val="7030A0"/>
                 </a:solidFill>
@@ -5465,7 +5713,7 @@
           <a:p>
             <a:pPr algn="ctr"/>
             <a:r>
-              <a:rPr lang="en-US" sz="1100" dirty="0" smtClean="0">
+              <a:rPr lang="en-US" sz="1100" dirty="0">
                 <a:solidFill>
                   <a:srgbClr val="7030A0"/>
                 </a:solidFill>
@@ -5504,7 +5752,7 @@
           <a:p>
             <a:pPr algn="ctr"/>
             <a:r>
-              <a:rPr lang="en-US" sz="1100" dirty="0" smtClean="0">
+              <a:rPr lang="en-US" sz="1100" dirty="0">
                 <a:solidFill>
                   <a:srgbClr val="7030A0"/>
                 </a:solidFill>
@@ -5543,7 +5791,7 @@
           <a:p>
             <a:pPr algn="ctr"/>
             <a:r>
-              <a:rPr lang="en-US" sz="1100" dirty="0" smtClean="0">
+              <a:rPr lang="en-US" sz="1100" dirty="0">
                 <a:solidFill>
                   <a:srgbClr val="7030A0"/>
                 </a:solidFill>
@@ -5582,7 +5830,7 @@
           <a:p>
             <a:pPr algn="ctr"/>
             <a:r>
-              <a:rPr lang="en-US" sz="1100" dirty="0" smtClean="0">
+              <a:rPr lang="en-US" sz="1100" dirty="0">
                 <a:solidFill>
                   <a:srgbClr val="7030A0"/>
                 </a:solidFill>
@@ -5621,7 +5869,7 @@
           <a:p>
             <a:pPr algn="ctr"/>
             <a:r>
-              <a:rPr lang="en-US" sz="1100" dirty="0" smtClean="0">
+              <a:rPr lang="en-US" sz="1100" dirty="0">
                 <a:solidFill>
                   <a:srgbClr val="7030A0"/>
                 </a:solidFill>
@@ -5660,7 +5908,7 @@
           <a:p>
             <a:pPr algn="ctr"/>
             <a:r>
-              <a:rPr lang="en-US" sz="1100" dirty="0" smtClean="0">
+              <a:rPr lang="en-US" sz="1100" dirty="0">
                 <a:solidFill>
                   <a:srgbClr val="7030A0"/>
                 </a:solidFill>
@@ -5683,7 +5931,7 @@
         </p:nvSpPr>
         <p:spPr>
           <a:xfrm>
-            <a:off x="2656370" y="3386050"/>
+            <a:off x="2656370" y="2971800"/>
             <a:ext cx="189257" cy="178683"/>
           </a:xfrm>
           <a:prstGeom prst="rect">
@@ -5699,7 +5947,7 @@
           <a:p>
             <a:pPr algn="ctr"/>
             <a:r>
-              <a:rPr lang="en-US" sz="1100" dirty="0" smtClean="0">
+              <a:rPr lang="en-US" sz="1100" dirty="0">
                 <a:solidFill>
                   <a:srgbClr val="7030A0"/>
                 </a:solidFill>
@@ -5738,7 +5986,7 @@
           <a:p>
             <a:pPr algn="ctr"/>
             <a:r>
-              <a:rPr lang="en-US" sz="1100" dirty="0" smtClean="0">
+              <a:rPr lang="en-US" sz="1100" dirty="0">
                 <a:solidFill>
                   <a:srgbClr val="7030A0"/>
                 </a:solidFill>
@@ -5794,7 +6042,7 @@
           <a:p>
             <a:pPr algn="ctr"/>
             <a:r>
-              <a:rPr lang="en-US" sz="1050" dirty="0" err="1" smtClean="0">
+              <a:rPr lang="en-US" sz="1050" dirty="0" err="1">
                 <a:solidFill>
                   <a:srgbClr val="7030A0"/>
                 </a:solidFill>
@@ -5813,14 +6061,13 @@
         <p:nvCxnSpPr>
           <p:cNvPr id="74" name="Elbow Connector 73"/>
           <p:cNvCxnSpPr>
-            <a:stCxn id="51" idx="3"/>
-            <a:endCxn id="73" idx="1"/>
+            <a:cxnSpLocks/>
           </p:cNvCxnSpPr>
           <p:nvPr/>
         </p:nvCxnSpPr>
         <p:spPr>
           <a:xfrm>
-            <a:off x="4220351" y="2760681"/>
+            <a:off x="4208916" y="2760681"/>
             <a:ext cx="286884" cy="1550280"/>
           </a:xfrm>
           <a:prstGeom prst="bentConnector3">
@@ -5891,7 +6138,7 @@
           <a:p>
             <a:pPr algn="ctr"/>
             <a:r>
-              <a:rPr lang="en-US" sz="1050" dirty="0" smtClean="0">
+              <a:rPr lang="en-US" sz="1050" dirty="0">
                 <a:solidFill>
                   <a:srgbClr val="7030A0"/>
                 </a:solidFill>
@@ -6114,7 +6361,7 @@
           <a:p>
             <a:pPr algn="ctr"/>
             <a:r>
-              <a:rPr lang="en-US" sz="1050" dirty="0" smtClean="0">
+              <a:rPr lang="en-US" sz="1050" dirty="0">
                 <a:solidFill>
                   <a:srgbClr val="7030A0"/>
                 </a:solidFill>
@@ -6211,7 +6458,7 @@
           <a:p>
             <a:pPr algn="ctr"/>
             <a:r>
-              <a:rPr lang="en-US" sz="1050" dirty="0" err="1" smtClean="0">
+              <a:rPr lang="en-US" sz="1050" dirty="0" err="1">
                 <a:solidFill>
                   <a:srgbClr val="7030A0"/>
                 </a:solidFill>
@@ -6267,6 +6514,573 @@
           </a:fontRef>
         </p:style>
       </p:cxnSp>
+      <p:cxnSp>
+        <p:nvCxnSpPr>
+          <p:cNvPr id="71" name="Elbow Connector 73">
+            <a:extLst>
+              <a:ext uri="{FF2B5EF4-FFF2-40B4-BE49-F238E27FC236}">
+                <a16:creationId xmlns:a16="http://schemas.microsoft.com/office/drawing/2014/main" id="{806D839C-92F6-4920-A629-68B9C76EF849}"/>
+              </a:ext>
+            </a:extLst>
+          </p:cNvPr>
+          <p:cNvCxnSpPr>
+            <a:cxnSpLocks/>
+            <a:endCxn id="72" idx="1"/>
+          </p:cNvCxnSpPr>
+          <p:nvPr/>
+        </p:nvCxnSpPr>
+        <p:spPr>
+          <a:xfrm rot="16200000" flipH="1">
+            <a:off x="3292379" y="4094383"/>
+            <a:ext cx="2272356" cy="157356"/>
+          </a:xfrm>
+          <a:prstGeom prst="bentConnector2">
+            <a:avLst/>
+          </a:prstGeom>
+          <a:ln w="19050">
+            <a:solidFill>
+              <a:srgbClr val="7030A0"/>
+            </a:solidFill>
+            <a:headEnd type="none" w="med" len="med"/>
+            <a:tailEnd type="arrow" w="med" len="med"/>
+          </a:ln>
+          <a:effectLst/>
+        </p:spPr>
+        <p:style>
+          <a:lnRef idx="1">
+            <a:schemeClr val="accent2"/>
+          </a:lnRef>
+          <a:fillRef idx="2">
+            <a:schemeClr val="accent2"/>
+          </a:fillRef>
+          <a:effectRef idx="1">
+            <a:schemeClr val="accent2"/>
+          </a:effectRef>
+          <a:fontRef idx="minor">
+            <a:schemeClr val="dk1"/>
+          </a:fontRef>
+        </p:style>
+      </p:cxnSp>
+      <p:sp>
+        <p:nvSpPr>
+          <p:cNvPr id="72" name="Rectangle 8">
+            <a:extLst>
+              <a:ext uri="{FF2B5EF4-FFF2-40B4-BE49-F238E27FC236}">
+                <a16:creationId xmlns:a16="http://schemas.microsoft.com/office/drawing/2014/main" id="{C1271532-2A93-425E-9B78-859DD5E726CB}"/>
+              </a:ext>
+            </a:extLst>
+          </p:cNvPr>
+          <p:cNvSpPr/>
+          <p:nvPr/>
+        </p:nvSpPr>
+        <p:spPr>
+          <a:xfrm>
+            <a:off x="4507235" y="5135859"/>
+            <a:ext cx="1156969" cy="346760"/>
+          </a:xfrm>
+          <a:prstGeom prst="rect">
+            <a:avLst/>
+          </a:prstGeom>
+          <a:ln w="19050">
+            <a:solidFill>
+              <a:srgbClr val="7030A0"/>
+            </a:solidFill>
+          </a:ln>
+          <a:effectLst/>
+        </p:spPr>
+        <p:style>
+          <a:lnRef idx="1">
+            <a:schemeClr val="accent4"/>
+          </a:lnRef>
+          <a:fillRef idx="2">
+            <a:schemeClr val="accent4"/>
+          </a:fillRef>
+          <a:effectRef idx="1">
+            <a:schemeClr val="accent4"/>
+          </a:effectRef>
+          <a:fontRef idx="minor">
+            <a:schemeClr val="dk1"/>
+          </a:fontRef>
+        </p:style>
+        <p:txBody>
+          <a:bodyPr rtlCol="0" anchor="ctr"/>
+          <a:lstStyle/>
+          <a:p>
+            <a:pPr algn="ctr"/>
+            <a:r>
+              <a:rPr lang="en-US" sz="1050" dirty="0" err="1">
+                <a:solidFill>
+                  <a:srgbClr val="7030A0"/>
+                </a:solidFill>
+              </a:rPr>
+              <a:t>UniqueUserMap</a:t>
+            </a:r>
+            <a:endParaRPr lang="en-SG" sz="1050" dirty="0">
+              <a:solidFill>
+                <a:srgbClr val="7030A0"/>
+              </a:solidFill>
+            </a:endParaRPr>
+          </a:p>
+        </p:txBody>
+      </p:sp>
+      <p:sp>
+        <p:nvSpPr>
+          <p:cNvPr id="103" name="Flowchart: Decision 96">
+            <a:extLst>
+              <a:ext uri="{FF2B5EF4-FFF2-40B4-BE49-F238E27FC236}">
+                <a16:creationId xmlns:a16="http://schemas.microsoft.com/office/drawing/2014/main" id="{3D713460-0BF1-47CC-96EA-908AD1662528}"/>
+              </a:ext>
+            </a:extLst>
+          </p:cNvPr>
+          <p:cNvSpPr/>
+          <p:nvPr/>
+        </p:nvSpPr>
+        <p:spPr>
+          <a:xfrm>
+            <a:off x="5664828" y="5229202"/>
+            <a:ext cx="236048" cy="173380"/>
+          </a:xfrm>
+          <a:prstGeom prst="flowChartDecision">
+            <a:avLst/>
+          </a:prstGeom>
+          <a:noFill/>
+          <a:ln w="19050">
+            <a:solidFill>
+              <a:srgbClr val="7030A0"/>
+            </a:solidFill>
+          </a:ln>
+          <a:effectLst/>
+        </p:spPr>
+        <p:style>
+          <a:lnRef idx="1">
+            <a:schemeClr val="accent6"/>
+          </a:lnRef>
+          <a:fillRef idx="2">
+            <a:schemeClr val="accent6"/>
+          </a:fillRef>
+          <a:effectRef idx="1">
+            <a:schemeClr val="accent6"/>
+          </a:effectRef>
+          <a:fontRef idx="minor">
+            <a:schemeClr val="dk1"/>
+          </a:fontRef>
+        </p:style>
+        <p:txBody>
+          <a:bodyPr rtlCol="0" anchor="ctr"/>
+          <a:lstStyle/>
+          <a:p>
+            <a:pPr algn="ctr"/>
+            <a:endParaRPr lang="en-US" sz="1050"/>
+          </a:p>
+        </p:txBody>
+      </p:sp>
+      <p:sp>
+        <p:nvSpPr>
+          <p:cNvPr id="104" name="Rectangle 8">
+            <a:extLst>
+              <a:ext uri="{FF2B5EF4-FFF2-40B4-BE49-F238E27FC236}">
+                <a16:creationId xmlns:a16="http://schemas.microsoft.com/office/drawing/2014/main" id="{0E41A108-5912-486B-975F-333E0D2F4A5E}"/>
+              </a:ext>
+            </a:extLst>
+          </p:cNvPr>
+          <p:cNvSpPr/>
+          <p:nvPr/>
+        </p:nvSpPr>
+        <p:spPr>
+          <a:xfrm>
+            <a:off x="6335278" y="5142512"/>
+            <a:ext cx="708186" cy="346760"/>
+          </a:xfrm>
+          <a:prstGeom prst="rect">
+            <a:avLst/>
+          </a:prstGeom>
+          <a:ln w="19050">
+            <a:solidFill>
+              <a:srgbClr val="7030A0"/>
+            </a:solidFill>
+          </a:ln>
+          <a:effectLst/>
+        </p:spPr>
+        <p:style>
+          <a:lnRef idx="1">
+            <a:schemeClr val="accent4"/>
+          </a:lnRef>
+          <a:fillRef idx="2">
+            <a:schemeClr val="accent4"/>
+          </a:fillRef>
+          <a:effectRef idx="1">
+            <a:schemeClr val="accent4"/>
+          </a:effectRef>
+          <a:fontRef idx="minor">
+            <a:schemeClr val="dk1"/>
+          </a:fontRef>
+        </p:style>
+        <p:txBody>
+          <a:bodyPr rtlCol="0" anchor="ctr"/>
+          <a:lstStyle/>
+          <a:p>
+            <a:pPr algn="ctr"/>
+            <a:r>
+              <a:rPr lang="en-US" sz="1050" dirty="0">
+                <a:solidFill>
+                  <a:srgbClr val="7030A0"/>
+                </a:solidFill>
+              </a:rPr>
+              <a:t>User</a:t>
+            </a:r>
+            <a:endParaRPr lang="en-SG" sz="1050" dirty="0">
+              <a:solidFill>
+                <a:srgbClr val="7030A0"/>
+              </a:solidFill>
+            </a:endParaRPr>
+          </a:p>
+        </p:txBody>
+      </p:sp>
+      <p:cxnSp>
+        <p:nvCxnSpPr>
+          <p:cNvPr id="105" name="Elbow Connector 86">
+            <a:extLst>
+              <a:ext uri="{FF2B5EF4-FFF2-40B4-BE49-F238E27FC236}">
+                <a16:creationId xmlns:a16="http://schemas.microsoft.com/office/drawing/2014/main" id="{135E0DFA-DFA4-4AA2-BEC7-CC40921EE422}"/>
+              </a:ext>
+            </a:extLst>
+          </p:cNvPr>
+          <p:cNvCxnSpPr/>
+          <p:nvPr/>
+        </p:nvCxnSpPr>
+        <p:spPr>
+          <a:xfrm>
+            <a:off x="5900876" y="5316669"/>
+            <a:ext cx="434402" cy="777"/>
+          </a:xfrm>
+          <a:prstGeom prst="bentConnector3">
+            <a:avLst/>
+          </a:prstGeom>
+          <a:ln w="19050">
+            <a:solidFill>
+              <a:srgbClr val="7030A0"/>
+            </a:solidFill>
+            <a:headEnd type="none" w="med" len="med"/>
+            <a:tailEnd type="arrow" w="med" len="med"/>
+          </a:ln>
+          <a:effectLst/>
+        </p:spPr>
+        <p:style>
+          <a:lnRef idx="1">
+            <a:schemeClr val="accent2"/>
+          </a:lnRef>
+          <a:fillRef idx="2">
+            <a:schemeClr val="accent2"/>
+          </a:fillRef>
+          <a:effectRef idx="1">
+            <a:schemeClr val="accent2"/>
+          </a:effectRef>
+          <a:fontRef idx="minor">
+            <a:schemeClr val="dk1"/>
+          </a:fontRef>
+        </p:style>
+      </p:cxnSp>
+      <p:sp>
+        <p:nvSpPr>
+          <p:cNvPr id="106" name="TextBox 105">
+            <a:extLst>
+              <a:ext uri="{FF2B5EF4-FFF2-40B4-BE49-F238E27FC236}">
+                <a16:creationId xmlns:a16="http://schemas.microsoft.com/office/drawing/2014/main" id="{434F5D95-7594-4196-8133-7AE566BCBA44}"/>
+              </a:ext>
+            </a:extLst>
+          </p:cNvPr>
+          <p:cNvSpPr txBox="1"/>
+          <p:nvPr/>
+        </p:nvSpPr>
+        <p:spPr>
+          <a:xfrm>
+            <a:off x="6156857" y="5383917"/>
+            <a:ext cx="189257" cy="178683"/>
+          </a:xfrm>
+          <a:prstGeom prst="rect">
+            <a:avLst/>
+          </a:prstGeom>
+          <a:noFill/>
+        </p:spPr>
+        <p:txBody>
+          <a:bodyPr wrap="square" lIns="0" tIns="0" rIns="0" bIns="0" rtlCol="0">
+            <a:noAutofit/>
+          </a:bodyPr>
+          <a:lstStyle/>
+          <a:p>
+            <a:pPr algn="ctr"/>
+            <a:r>
+              <a:rPr lang="en-SG" sz="1100" dirty="0">
+                <a:solidFill>
+                  <a:srgbClr val="7030A0"/>
+                </a:solidFill>
+              </a:rPr>
+              <a:t>*</a:t>
+            </a:r>
+          </a:p>
+        </p:txBody>
+      </p:sp>
+      <p:sp>
+        <p:nvSpPr>
+          <p:cNvPr id="116" name="Rectangle 8">
+            <a:extLst>
+              <a:ext uri="{FF2B5EF4-FFF2-40B4-BE49-F238E27FC236}">
+                <a16:creationId xmlns:a16="http://schemas.microsoft.com/office/drawing/2014/main" id="{D6378A4D-D2FD-4F93-BFC9-87F9713C46D0}"/>
+              </a:ext>
+            </a:extLst>
+          </p:cNvPr>
+          <p:cNvSpPr/>
+          <p:nvPr/>
+        </p:nvSpPr>
+        <p:spPr>
+          <a:xfrm>
+            <a:off x="2877180" y="3387040"/>
+            <a:ext cx="1093635" cy="346760"/>
+          </a:xfrm>
+          <a:prstGeom prst="rect">
+            <a:avLst/>
+          </a:prstGeom>
+          <a:solidFill>
+            <a:srgbClr val="7030A0"/>
+          </a:solidFill>
+          <a:ln w="19050">
+            <a:solidFill>
+              <a:srgbClr val="7030A0"/>
+            </a:solidFill>
+          </a:ln>
+          <a:effectLst/>
+        </p:spPr>
+        <p:style>
+          <a:lnRef idx="1">
+            <a:schemeClr val="accent2"/>
+          </a:lnRef>
+          <a:fillRef idx="2">
+            <a:schemeClr val="accent2"/>
+          </a:fillRef>
+          <a:effectRef idx="1">
+            <a:schemeClr val="accent2"/>
+          </a:effectRef>
+          <a:fontRef idx="minor">
+            <a:schemeClr val="dk1"/>
+          </a:fontRef>
+        </p:style>
+        <p:txBody>
+          <a:bodyPr rtlCol="0" anchor="ctr"/>
+          <a:lstStyle/>
+          <a:p>
+            <a:pPr algn="ctr"/>
+            <a:r>
+              <a:rPr lang="en-US" sz="1050" dirty="0">
+                <a:solidFill>
+                  <a:schemeClr val="bg1"/>
+                </a:solidFill>
+              </a:rPr>
+              <a:t>Session</a:t>
+            </a:r>
+            <a:endParaRPr lang="en-SG" sz="1050" dirty="0">
+              <a:solidFill>
+                <a:schemeClr val="bg1"/>
+              </a:solidFill>
+            </a:endParaRPr>
+          </a:p>
+        </p:txBody>
+      </p:sp>
+      <p:cxnSp>
+        <p:nvCxnSpPr>
+          <p:cNvPr id="117" name="Straight Arrow Connector 116">
+            <a:extLst>
+              <a:ext uri="{FF2B5EF4-FFF2-40B4-BE49-F238E27FC236}">
+                <a16:creationId xmlns:a16="http://schemas.microsoft.com/office/drawing/2014/main" id="{5BCB1187-6D43-42B4-8FF2-49E3919299EE}"/>
+              </a:ext>
+            </a:extLst>
+          </p:cNvPr>
+          <p:cNvCxnSpPr>
+            <a:stCxn id="121" idx="3"/>
+            <a:endCxn id="116" idx="1"/>
+          </p:cNvCxnSpPr>
+          <p:nvPr/>
+        </p:nvCxnSpPr>
+        <p:spPr>
+          <a:xfrm flipV="1">
+            <a:off x="2656370" y="3560420"/>
+            <a:ext cx="220810" cy="2652"/>
+          </a:xfrm>
+          <a:prstGeom prst="straightConnector1">
+            <a:avLst/>
+          </a:prstGeom>
+          <a:ln w="19050">
+            <a:solidFill>
+              <a:srgbClr val="7030A0"/>
+            </a:solidFill>
+            <a:headEnd type="none" w="med" len="med"/>
+            <a:tailEnd type="arrow" w="med" len="med"/>
+          </a:ln>
+          <a:effectLst/>
+        </p:spPr>
+        <p:style>
+          <a:lnRef idx="1">
+            <a:schemeClr val="accent2"/>
+          </a:lnRef>
+          <a:fillRef idx="2">
+            <a:schemeClr val="accent2"/>
+          </a:fillRef>
+          <a:effectRef idx="1">
+            <a:schemeClr val="accent2"/>
+          </a:effectRef>
+          <a:fontRef idx="minor">
+            <a:schemeClr val="dk1"/>
+          </a:fontRef>
+        </p:style>
+      </p:cxnSp>
+      <p:sp>
+        <p:nvSpPr>
+          <p:cNvPr id="121" name="Flowchart: Decision 96">
+            <a:extLst>
+              <a:ext uri="{FF2B5EF4-FFF2-40B4-BE49-F238E27FC236}">
+                <a16:creationId xmlns:a16="http://schemas.microsoft.com/office/drawing/2014/main" id="{CDF316C8-29AF-41BF-8D16-FDD5A91AF048}"/>
+              </a:ext>
+            </a:extLst>
+          </p:cNvPr>
+          <p:cNvSpPr/>
+          <p:nvPr/>
+        </p:nvSpPr>
+        <p:spPr>
+          <a:xfrm>
+            <a:off x="2420322" y="3476382"/>
+            <a:ext cx="236048" cy="173380"/>
+          </a:xfrm>
+          <a:prstGeom prst="flowChartDecision">
+            <a:avLst/>
+          </a:prstGeom>
+          <a:noFill/>
+          <a:ln w="19050">
+            <a:solidFill>
+              <a:srgbClr val="7030A0"/>
+            </a:solidFill>
+          </a:ln>
+          <a:effectLst/>
+        </p:spPr>
+        <p:style>
+          <a:lnRef idx="1">
+            <a:schemeClr val="accent6"/>
+          </a:lnRef>
+          <a:fillRef idx="2">
+            <a:schemeClr val="accent6"/>
+          </a:fillRef>
+          <a:effectRef idx="1">
+            <a:schemeClr val="accent6"/>
+          </a:effectRef>
+          <a:fontRef idx="minor">
+            <a:schemeClr val="dk1"/>
+          </a:fontRef>
+        </p:style>
+        <p:txBody>
+          <a:bodyPr rtlCol="0" anchor="ctr"/>
+          <a:lstStyle/>
+          <a:p>
+            <a:pPr algn="ctr"/>
+            <a:endParaRPr lang="en-US" sz="1050"/>
+          </a:p>
+        </p:txBody>
+      </p:sp>
+      <p:sp>
+        <p:nvSpPr>
+          <p:cNvPr id="123" name="TextBox 122">
+            <a:extLst>
+              <a:ext uri="{FF2B5EF4-FFF2-40B4-BE49-F238E27FC236}">
+                <a16:creationId xmlns:a16="http://schemas.microsoft.com/office/drawing/2014/main" id="{44BFEE97-B5F3-4566-BBA4-B0C4CF4E1D0C}"/>
+              </a:ext>
+            </a:extLst>
+          </p:cNvPr>
+          <p:cNvSpPr txBox="1"/>
+          <p:nvPr/>
+        </p:nvSpPr>
+        <p:spPr>
+          <a:xfrm>
+            <a:off x="2656370" y="3327916"/>
+            <a:ext cx="189257" cy="178683"/>
+          </a:xfrm>
+          <a:prstGeom prst="rect">
+            <a:avLst/>
+          </a:prstGeom>
+          <a:noFill/>
+        </p:spPr>
+        <p:txBody>
+          <a:bodyPr wrap="square" lIns="0" tIns="0" rIns="0" bIns="0" rtlCol="0">
+            <a:noAutofit/>
+          </a:bodyPr>
+          <a:lstStyle/>
+          <a:p>
+            <a:pPr algn="ctr"/>
+            <a:r>
+              <a:rPr lang="en-US" sz="1100" dirty="0">
+                <a:solidFill>
+                  <a:srgbClr val="7030A0"/>
+                </a:solidFill>
+              </a:rPr>
+              <a:t>1</a:t>
+            </a:r>
+            <a:endParaRPr lang="en-SG" sz="1100" dirty="0">
+              <a:solidFill>
+                <a:srgbClr val="7030A0"/>
+              </a:solidFill>
+            </a:endParaRPr>
+          </a:p>
+        </p:txBody>
+      </p:sp>
+      <p:sp>
+        <p:nvSpPr>
+          <p:cNvPr id="125" name="Flowchart: Decision 96">
+            <a:extLst>
+              <a:ext uri="{FF2B5EF4-FFF2-40B4-BE49-F238E27FC236}">
+                <a16:creationId xmlns:a16="http://schemas.microsoft.com/office/drawing/2014/main" id="{71329DC4-283D-49CF-B26C-334DC4392641}"/>
+              </a:ext>
+            </a:extLst>
+          </p:cNvPr>
+          <p:cNvSpPr/>
+          <p:nvPr/>
+        </p:nvSpPr>
+        <p:spPr>
+          <a:xfrm>
+            <a:off x="2424892" y="3484220"/>
+            <a:ext cx="236048" cy="173380"/>
+          </a:xfrm>
+          <a:prstGeom prst="flowChartDecision">
+            <a:avLst/>
+          </a:prstGeom>
+          <a:solidFill>
+            <a:srgbClr val="7030A0"/>
+          </a:solidFill>
+          <a:ln w="19050">
+            <a:solidFill>
+              <a:srgbClr val="7030A0"/>
+            </a:solidFill>
+          </a:ln>
+          <a:effectLst/>
+        </p:spPr>
+        <p:style>
+          <a:lnRef idx="1">
+            <a:schemeClr val="accent6"/>
+          </a:lnRef>
+          <a:fillRef idx="2">
+            <a:schemeClr val="accent6"/>
+          </a:fillRef>
+          <a:effectRef idx="1">
+            <a:schemeClr val="accent6"/>
+          </a:effectRef>
+          <a:fontRef idx="minor">
+            <a:schemeClr val="dk1"/>
+          </a:fontRef>
+        </p:style>
+        <p:txBody>
+          <a:bodyPr rtlCol="0" anchor="ctr"/>
+          <a:lstStyle/>
+          <a:p>
+            <a:pPr algn="ctr"/>
+            <a:endParaRPr lang="en-US" sz="1050"/>
+          </a:p>
+        </p:txBody>
+      </p:sp>
     </p:spTree>
     <p:extLst>
       <p:ext uri="{BB962C8B-B14F-4D97-AF65-F5344CB8AC3E}">
@@ -6277,13 +7091,6 @@
   <p:clrMapOvr>
     <a:masterClrMapping/>
   </p:clrMapOvr>
-  <p:timing>
-    <p:tnLst>
-      <p:par>
-        <p:cTn id="1" dur="indefinite" restart="never" nodeType="tmRoot"/>
-      </p:par>
-    </p:tnLst>
-  </p:timing>
 </p:sld>
 </file>
 
